--- a/안치본/3. 논문 작성/사진자료/그림과표_김영범.pptx
+++ b/안치본/3. 논문 작성/사진자료/그림과표_김영범.pptx
@@ -5,22 +5,24 @@
     <p:sldMasterId id="2147483660" r:id="rId1"/>
   </p:sldMasterIdLst>
   <p:notesMasterIdLst>
-    <p:notesMasterId r:id="rId15"/>
+    <p:notesMasterId r:id="rId17"/>
   </p:notesMasterIdLst>
   <p:sldIdLst>
     <p:sldId id="359" r:id="rId2"/>
     <p:sldId id="360" r:id="rId3"/>
-    <p:sldId id="367" r:id="rId4"/>
-    <p:sldId id="373" r:id="rId5"/>
-    <p:sldId id="368" r:id="rId6"/>
-    <p:sldId id="369" r:id="rId7"/>
-    <p:sldId id="371" r:id="rId8"/>
-    <p:sldId id="362" r:id="rId9"/>
-    <p:sldId id="363" r:id="rId10"/>
-    <p:sldId id="364" r:id="rId11"/>
-    <p:sldId id="365" r:id="rId12"/>
-    <p:sldId id="366" r:id="rId13"/>
-    <p:sldId id="370" r:id="rId14"/>
+    <p:sldId id="374" r:id="rId4"/>
+    <p:sldId id="367" r:id="rId5"/>
+    <p:sldId id="373" r:id="rId6"/>
+    <p:sldId id="368" r:id="rId7"/>
+    <p:sldId id="375" r:id="rId8"/>
+    <p:sldId id="369" r:id="rId9"/>
+    <p:sldId id="371" r:id="rId10"/>
+    <p:sldId id="362" r:id="rId11"/>
+    <p:sldId id="363" r:id="rId12"/>
+    <p:sldId id="364" r:id="rId13"/>
+    <p:sldId id="365" r:id="rId14"/>
+    <p:sldId id="366" r:id="rId15"/>
+    <p:sldId id="370" r:id="rId16"/>
   </p:sldIdLst>
   <p:sldSz cx="12192000" cy="6858000"/>
   <p:notesSz cx="6858000" cy="9144000"/>
@@ -121,7 +123,7 @@
   </p:defaultTextStyle>
   <p:extLst>
     <p:ext uri="{EFAFB233-063F-42B5-8137-9DF3F51BA10A}">
-      <p15:sldGuideLst xmlns:p15="http://schemas.microsoft.com/office/powerpoint/2012/main" xmlns="">
+      <p15:sldGuideLst xmlns="" xmlns:p15="http://schemas.microsoft.com/office/powerpoint/2012/main">
         <p15:guide id="1" orient="horz" pos="2160">
           <p15:clr>
             <a:srgbClr val="A4A3A4"/>
@@ -135,7 +137,7 @@
       </p15:sldGuideLst>
     </p:ext>
     <p:ext uri="{2D200454-40CA-4A62-9FC3-DE9A4176ACB9}">
-      <p15:notesGuideLst xmlns:p15="http://schemas.microsoft.com/office/powerpoint/2012/main" xmlns=""/>
+      <p15:notesGuideLst xmlns="" xmlns:p15="http://schemas.microsoft.com/office/powerpoint/2012/main"/>
     </p:ext>
   </p:extLst>
 </p:presentation>
@@ -146,7 +148,7 @@
   <p:cmAuthor id="1" name="Kim YoungBum" initials="KY" lastIdx="1" clrIdx="0">
     <p:extLst>
       <p:ext uri="{19B8F6BF-5375-455C-9EA6-DF929625EA0E}">
-        <p15:presenceInfo xmlns:p15="http://schemas.microsoft.com/office/powerpoint/2012/main" xmlns="" userId="58bde64b80528bfe" providerId="Windows Live"/>
+        <p15:presenceInfo xmlns="" xmlns:p15="http://schemas.microsoft.com/office/powerpoint/2012/main" userId="58bde64b80528bfe" providerId="Windows Live"/>
       </p:ext>
     </p:extLst>
   </p:cmAuthor>
@@ -446,11 +448,11 @@
         </c:dLbls>
         <c:gapWidth val="219"/>
         <c:overlap val="-27"/>
-        <c:axId val="151485440"/>
-        <c:axId val="151499520"/>
+        <c:axId val="129994112"/>
+        <c:axId val="130000000"/>
       </c:barChart>
       <c:catAx>
-        <c:axId val="151485440"/>
+        <c:axId val="129994112"/>
         <c:scaling>
           <c:orientation val="minMax"/>
         </c:scaling>
@@ -507,7 +509,7 @@
             <a:endParaRPr lang="ko-KR"/>
           </a:p>
         </c:txPr>
-        <c:crossAx val="151499520"/>
+        <c:crossAx val="130000000"/>
         <c:crosses val="autoZero"/>
         <c:auto val="1"/>
         <c:lblAlgn val="ctr"/>
@@ -515,7 +517,7 @@
         <c:noMultiLvlLbl val="0"/>
       </c:catAx>
       <c:valAx>
-        <c:axId val="151499520"/>
+        <c:axId val="130000000"/>
         <c:scaling>
           <c:orientation val="minMax"/>
           <c:max val="140"/>
@@ -567,7 +569,7 @@
             <a:endParaRPr lang="ko-KR"/>
           </a:p>
         </c:txPr>
-        <c:crossAx val="151485440"/>
+        <c:crossAx val="129994112"/>
         <c:crosses val="autoZero"/>
         <c:crossBetween val="between"/>
       </c:valAx>
@@ -1684,7 +1686,7 @@
           <a:p>
             <a:fld id="{413548A9-17B7-486F-BAE8-5C551821AB5E}" type="datetimeFigureOut">
               <a:rPr lang="ko-KR" altLang="en-US" smtClean="0"/>
-              <a:t>2020-08-28</a:t>
+              <a:t>2020-11-08</a:t>
             </a:fld>
             <a:endParaRPr lang="ko-KR" altLang="en-US"/>
           </a:p>
@@ -2101,7 +2103,7 @@
           <a:p>
             <a:fld id="{0D2F3107-8B6A-4B65-B28D-2687EDAB2094}" type="slidenum">
               <a:rPr lang="ko-KR" altLang="en-US" smtClean="0"/>
-              <a:t>11</a:t>
+              <a:t>13</a:t>
             </a:fld>
             <a:endParaRPr lang="ko-KR" altLang="en-US"/>
           </a:p>
@@ -2185,7 +2187,7 @@
           <a:p>
             <a:fld id="{0D2F3107-8B6A-4B65-B28D-2687EDAB2094}" type="slidenum">
               <a:rPr lang="ko-KR" altLang="en-US" smtClean="0"/>
-              <a:t>12</a:t>
+              <a:t>14</a:t>
             </a:fld>
             <a:endParaRPr lang="ko-KR" altLang="en-US"/>
           </a:p>
@@ -2269,7 +2271,7 @@
           <a:p>
             <a:fld id="{0D2F3107-8B6A-4B65-B28D-2687EDAB2094}" type="slidenum">
               <a:rPr lang="ko-KR" altLang="en-US" smtClean="0"/>
-              <a:t>13</a:t>
+              <a:t>15</a:t>
             </a:fld>
             <a:endParaRPr lang="ko-KR" altLang="en-US"/>
           </a:p>
@@ -2425,7 +2427,7 @@
                   </a:prstClr>
                 </a:solidFill>
               </a:rPr>
-              <a:t>2020-08-28</a:t>
+              <a:t>2020-11-08</a:t>
             </a:fld>
             <a:endParaRPr lang="ko-KR" altLang="en-US">
               <a:solidFill>
@@ -2590,7 +2592,7 @@
                   </a:prstClr>
                 </a:solidFill>
               </a:rPr>
-              <a:t>2020-08-28</a:t>
+              <a:t>2020-11-08</a:t>
             </a:fld>
             <a:endParaRPr lang="ko-KR" altLang="en-US">
               <a:solidFill>
@@ -2765,7 +2767,7 @@
                   </a:prstClr>
                 </a:solidFill>
               </a:rPr>
-              <a:t>2020-08-28</a:t>
+              <a:t>2020-11-08</a:t>
             </a:fld>
             <a:endParaRPr lang="ko-KR" altLang="en-US">
               <a:solidFill>
@@ -2930,7 +2932,7 @@
                   </a:prstClr>
                 </a:solidFill>
               </a:rPr>
-              <a:t>2020-08-28</a:t>
+              <a:t>2020-11-08</a:t>
             </a:fld>
             <a:endParaRPr lang="ko-KR" altLang="en-US">
               <a:solidFill>
@@ -3171,7 +3173,7 @@
                   </a:prstClr>
                 </a:solidFill>
               </a:rPr>
-              <a:t>2020-08-28</a:t>
+              <a:t>2020-11-08</a:t>
             </a:fld>
             <a:endParaRPr lang="ko-KR" altLang="en-US">
               <a:solidFill>
@@ -3398,7 +3400,7 @@
                   </a:prstClr>
                 </a:solidFill>
               </a:rPr>
-              <a:t>2020-08-28</a:t>
+              <a:t>2020-11-08</a:t>
             </a:fld>
             <a:endParaRPr lang="ko-KR" altLang="en-US">
               <a:solidFill>
@@ -3760,7 +3762,7 @@
                   </a:prstClr>
                 </a:solidFill>
               </a:rPr>
-              <a:t>2020-08-28</a:t>
+              <a:t>2020-11-08</a:t>
             </a:fld>
             <a:endParaRPr lang="ko-KR" altLang="en-US">
               <a:solidFill>
@@ -3873,7 +3875,7 @@
                   </a:prstClr>
                 </a:solidFill>
               </a:rPr>
-              <a:t>2020-08-28</a:t>
+              <a:t>2020-11-08</a:t>
             </a:fld>
             <a:endParaRPr lang="ko-KR" altLang="en-US">
               <a:solidFill>
@@ -3963,7 +3965,7 @@
                   </a:prstClr>
                 </a:solidFill>
               </a:rPr>
-              <a:t>2020-08-28</a:t>
+              <a:t>2020-11-08</a:t>
             </a:fld>
             <a:endParaRPr lang="ko-KR" altLang="en-US">
               <a:solidFill>
@@ -4235,7 +4237,7 @@
                   </a:prstClr>
                 </a:solidFill>
               </a:rPr>
-              <a:t>2020-08-28</a:t>
+              <a:t>2020-11-08</a:t>
             </a:fld>
             <a:endParaRPr lang="ko-KR" altLang="en-US">
               <a:solidFill>
@@ -4483,7 +4485,7 @@
                   </a:prstClr>
                 </a:solidFill>
               </a:rPr>
-              <a:t>2020-08-28</a:t>
+              <a:t>2020-11-08</a:t>
             </a:fld>
             <a:endParaRPr lang="ko-KR" altLang="en-US">
               <a:solidFill>
@@ -4691,7 +4693,7 @@
                   </a:prstClr>
                 </a:solidFill>
               </a:rPr>
-              <a:t>2020-08-28</a:t>
+              <a:t>2020-11-08</a:t>
             </a:fld>
             <a:endParaRPr lang="ko-KR" altLang="en-US">
               <a:solidFill>
@@ -5127,6 +5129,1018 @@
           <a:chExt cx="0" cy="0"/>
         </a:xfrm>
       </p:grpSpPr>
+      <p:graphicFrame>
+        <p:nvGraphicFramePr>
+          <p:cNvPr id="7" name="차트 6"/>
+          <p:cNvGraphicFramePr/>
+          <p:nvPr>
+            <p:extLst>
+              <p:ext uri="{D42A27DB-BD31-4B8C-83A1-F6EECF244321}">
+                <p14:modId xmlns:p14="http://schemas.microsoft.com/office/powerpoint/2010/main" val="2060616242"/>
+              </p:ext>
+            </p:extLst>
+          </p:nvPr>
+        </p:nvGraphicFramePr>
+        <p:xfrm>
+          <a:off x="432074" y="136710"/>
+          <a:ext cx="9317425" cy="6638173"/>
+        </p:xfrm>
+        <a:graphic>
+          <a:graphicData uri="http://schemas.openxmlformats.org/drawingml/2006/chart">
+            <c:chart xmlns:c="http://schemas.openxmlformats.org/drawingml/2006/chart" xmlns:r="http://schemas.openxmlformats.org/officeDocument/2006/relationships" r:id="rId2"/>
+          </a:graphicData>
+        </a:graphic>
+      </p:graphicFrame>
+      <p:grpSp>
+        <p:nvGrpSpPr>
+          <p:cNvPr id="9" name="그룹 8"/>
+          <p:cNvGrpSpPr/>
+          <p:nvPr/>
+        </p:nvGrpSpPr>
+        <p:grpSpPr>
+          <a:xfrm>
+            <a:off x="8816393" y="2513549"/>
+            <a:ext cx="1853319" cy="1710770"/>
+            <a:chOff x="10633166" y="804526"/>
+            <a:chExt cx="1392425" cy="1062253"/>
+          </a:xfrm>
+        </p:grpSpPr>
+        <p:sp>
+          <p:nvSpPr>
+            <p:cNvPr id="10" name="직사각형 9"/>
+            <p:cNvSpPr/>
+            <p:nvPr/>
+          </p:nvSpPr>
+          <p:spPr>
+            <a:xfrm>
+              <a:off x="10633166" y="824159"/>
+              <a:ext cx="365760" cy="226841"/>
+            </a:xfrm>
+            <a:prstGeom prst="rect">
+              <a:avLst/>
+            </a:prstGeom>
+            <a:ln>
+              <a:noFill/>
+            </a:ln>
+          </p:spPr>
+          <p:style>
+            <a:lnRef idx="2">
+              <a:schemeClr val="accent1">
+                <a:shade val="50000"/>
+              </a:schemeClr>
+            </a:lnRef>
+            <a:fillRef idx="1">
+              <a:schemeClr val="accent1"/>
+            </a:fillRef>
+            <a:effectRef idx="0">
+              <a:schemeClr val="accent1"/>
+            </a:effectRef>
+            <a:fontRef idx="minor">
+              <a:schemeClr val="lt1"/>
+            </a:fontRef>
+          </p:style>
+          <p:txBody>
+            <a:bodyPr rtlCol="0" anchor="ctr"/>
+            <a:lstStyle/>
+            <a:p>
+              <a:pPr algn="ctr"/>
+              <a:endParaRPr lang="ko-KR" altLang="en-US" sz="3600">
+                <a:solidFill>
+                  <a:schemeClr val="accent1"/>
+                </a:solidFill>
+              </a:endParaRPr>
+            </a:p>
+          </p:txBody>
+        </p:sp>
+        <p:sp>
+          <p:nvSpPr>
+            <p:cNvPr id="11" name="직사각형 10"/>
+            <p:cNvSpPr/>
+            <p:nvPr/>
+          </p:nvSpPr>
+          <p:spPr>
+            <a:xfrm>
+              <a:off x="10633166" y="1093725"/>
+              <a:ext cx="365760" cy="226841"/>
+            </a:xfrm>
+            <a:prstGeom prst="rect">
+              <a:avLst/>
+            </a:prstGeom>
+            <a:solidFill>
+              <a:srgbClr val="C00000"/>
+            </a:solidFill>
+            <a:ln>
+              <a:noFill/>
+            </a:ln>
+          </p:spPr>
+          <p:style>
+            <a:lnRef idx="2">
+              <a:schemeClr val="accent1">
+                <a:shade val="50000"/>
+              </a:schemeClr>
+            </a:lnRef>
+            <a:fillRef idx="1">
+              <a:schemeClr val="accent1"/>
+            </a:fillRef>
+            <a:effectRef idx="0">
+              <a:schemeClr val="accent1"/>
+            </a:effectRef>
+            <a:fontRef idx="minor">
+              <a:schemeClr val="lt1"/>
+            </a:fontRef>
+          </p:style>
+          <p:txBody>
+            <a:bodyPr rtlCol="0" anchor="ctr"/>
+            <a:lstStyle/>
+            <a:p>
+              <a:pPr algn="ctr"/>
+              <a:endParaRPr lang="ko-KR" altLang="en-US" sz="3600">
+                <a:solidFill>
+                  <a:schemeClr val="accent1"/>
+                </a:solidFill>
+              </a:endParaRPr>
+            </a:p>
+          </p:txBody>
+        </p:sp>
+        <p:sp>
+          <p:nvSpPr>
+            <p:cNvPr id="12" name="직사각형 11"/>
+            <p:cNvSpPr/>
+            <p:nvPr/>
+          </p:nvSpPr>
+          <p:spPr>
+            <a:xfrm>
+              <a:off x="10633166" y="1363291"/>
+              <a:ext cx="365760" cy="226841"/>
+            </a:xfrm>
+            <a:prstGeom prst="rect">
+              <a:avLst/>
+            </a:prstGeom>
+            <a:solidFill>
+              <a:srgbClr val="00B050"/>
+            </a:solidFill>
+            <a:ln>
+              <a:noFill/>
+            </a:ln>
+          </p:spPr>
+          <p:style>
+            <a:lnRef idx="2">
+              <a:schemeClr val="accent1">
+                <a:shade val="50000"/>
+              </a:schemeClr>
+            </a:lnRef>
+            <a:fillRef idx="1">
+              <a:schemeClr val="accent1"/>
+            </a:fillRef>
+            <a:effectRef idx="0">
+              <a:schemeClr val="accent1"/>
+            </a:effectRef>
+            <a:fontRef idx="minor">
+              <a:schemeClr val="lt1"/>
+            </a:fontRef>
+          </p:style>
+          <p:txBody>
+            <a:bodyPr rtlCol="0" anchor="ctr"/>
+            <a:lstStyle/>
+            <a:p>
+              <a:pPr algn="ctr"/>
+              <a:endParaRPr lang="ko-KR" altLang="en-US" sz="3600">
+                <a:solidFill>
+                  <a:schemeClr val="accent1"/>
+                </a:solidFill>
+              </a:endParaRPr>
+            </a:p>
+          </p:txBody>
+        </p:sp>
+        <p:sp>
+          <p:nvSpPr>
+            <p:cNvPr id="13" name="직사각형 12"/>
+            <p:cNvSpPr/>
+            <p:nvPr/>
+          </p:nvSpPr>
+          <p:spPr>
+            <a:xfrm>
+              <a:off x="10633166" y="1632857"/>
+              <a:ext cx="365760" cy="226841"/>
+            </a:xfrm>
+            <a:prstGeom prst="rect">
+              <a:avLst/>
+            </a:prstGeom>
+            <a:solidFill>
+              <a:srgbClr val="FFC000"/>
+            </a:solidFill>
+            <a:ln>
+              <a:noFill/>
+            </a:ln>
+          </p:spPr>
+          <p:style>
+            <a:lnRef idx="2">
+              <a:schemeClr val="accent1">
+                <a:shade val="50000"/>
+              </a:schemeClr>
+            </a:lnRef>
+            <a:fillRef idx="1">
+              <a:schemeClr val="accent1"/>
+            </a:fillRef>
+            <a:effectRef idx="0">
+              <a:schemeClr val="accent1"/>
+            </a:effectRef>
+            <a:fontRef idx="minor">
+              <a:schemeClr val="lt1"/>
+            </a:fontRef>
+          </p:style>
+          <p:txBody>
+            <a:bodyPr rtlCol="0" anchor="ctr"/>
+            <a:lstStyle/>
+            <a:p>
+              <a:pPr algn="ctr"/>
+              <a:endParaRPr lang="ko-KR" altLang="en-US" sz="3600">
+                <a:solidFill>
+                  <a:schemeClr val="accent1"/>
+                </a:solidFill>
+              </a:endParaRPr>
+            </a:p>
+          </p:txBody>
+        </p:sp>
+        <p:sp>
+          <p:nvSpPr>
+            <p:cNvPr id="14" name="TextBox 13"/>
+            <p:cNvSpPr txBox="1"/>
+            <p:nvPr/>
+          </p:nvSpPr>
+          <p:spPr>
+            <a:xfrm>
+              <a:off x="11011987" y="804526"/>
+              <a:ext cx="849086" cy="248437"/>
+            </a:xfrm>
+            <a:prstGeom prst="rect">
+              <a:avLst/>
+            </a:prstGeom>
+            <a:noFill/>
+          </p:spPr>
+          <p:txBody>
+            <a:bodyPr wrap="square" rtlCol="0">
+              <a:spAutoFit/>
+            </a:bodyPr>
+            <a:lstStyle/>
+            <a:p>
+              <a:r>
+                <a:rPr lang="en-US" altLang="ko-KR" sz="2000" dirty="0" smtClean="0"/>
+                <a:t>Novice</a:t>
+              </a:r>
+              <a:endParaRPr lang="ko-KR" altLang="en-US" sz="2000" dirty="0"/>
+            </a:p>
+          </p:txBody>
+        </p:sp>
+        <p:sp>
+          <p:nvSpPr>
+            <p:cNvPr id="15" name="TextBox 14"/>
+            <p:cNvSpPr txBox="1"/>
+            <p:nvPr/>
+          </p:nvSpPr>
+          <p:spPr>
+            <a:xfrm>
+              <a:off x="11011987" y="1071986"/>
+              <a:ext cx="1013604" cy="248437"/>
+            </a:xfrm>
+            <a:prstGeom prst="rect">
+              <a:avLst/>
+            </a:prstGeom>
+            <a:noFill/>
+          </p:spPr>
+          <p:txBody>
+            <a:bodyPr wrap="square" rtlCol="0">
+              <a:spAutoFit/>
+            </a:bodyPr>
+            <a:lstStyle/>
+            <a:p>
+              <a:r>
+                <a:rPr lang="en-US" altLang="ko-KR" sz="2000" dirty="0" smtClean="0"/>
+                <a:t>Slapstick</a:t>
+              </a:r>
+              <a:endParaRPr lang="ko-KR" altLang="en-US" sz="2000" dirty="0"/>
+            </a:p>
+          </p:txBody>
+        </p:sp>
+        <p:sp>
+          <p:nvSpPr>
+            <p:cNvPr id="16" name="TextBox 15"/>
+            <p:cNvSpPr txBox="1"/>
+            <p:nvPr/>
+          </p:nvSpPr>
+          <p:spPr>
+            <a:xfrm>
+              <a:off x="11011987" y="1337154"/>
+              <a:ext cx="849086" cy="248437"/>
+            </a:xfrm>
+            <a:prstGeom prst="rect">
+              <a:avLst/>
+            </a:prstGeom>
+            <a:noFill/>
+          </p:spPr>
+          <p:txBody>
+            <a:bodyPr wrap="square" rtlCol="0">
+              <a:spAutoFit/>
+            </a:bodyPr>
+            <a:lstStyle/>
+            <a:p>
+              <a:r>
+                <a:rPr lang="en-US" altLang="ko-KR" sz="2000" dirty="0" smtClean="0"/>
+                <a:t>Expert</a:t>
+              </a:r>
+              <a:endParaRPr lang="ko-KR" altLang="en-US" sz="2000" dirty="0"/>
+            </a:p>
+          </p:txBody>
+        </p:sp>
+        <p:sp>
+          <p:nvSpPr>
+            <p:cNvPr id="17" name="TextBox 16"/>
+            <p:cNvSpPr txBox="1"/>
+            <p:nvPr/>
+          </p:nvSpPr>
+          <p:spPr>
+            <a:xfrm>
+              <a:off x="11011987" y="1618342"/>
+              <a:ext cx="849086" cy="248437"/>
+            </a:xfrm>
+            <a:prstGeom prst="rect">
+              <a:avLst/>
+            </a:prstGeom>
+            <a:noFill/>
+          </p:spPr>
+          <p:txBody>
+            <a:bodyPr wrap="square" rtlCol="0">
+              <a:spAutoFit/>
+            </a:bodyPr>
+            <a:lstStyle/>
+            <a:p>
+              <a:r>
+                <a:rPr lang="en-US" altLang="ko-KR" sz="2000" dirty="0" smtClean="0"/>
+                <a:t>Circus</a:t>
+              </a:r>
+              <a:endParaRPr lang="ko-KR" altLang="en-US" sz="2000" dirty="0"/>
+            </a:p>
+          </p:txBody>
+        </p:sp>
+      </p:grpSp>
+      <p:sp>
+        <p:nvSpPr>
+          <p:cNvPr id="18" name="TextBox 17"/>
+          <p:cNvSpPr txBox="1"/>
+          <p:nvPr/>
+        </p:nvSpPr>
+        <p:spPr>
+          <a:xfrm>
+            <a:off x="4986663" y="493296"/>
+            <a:ext cx="723246" cy="856543"/>
+          </a:xfrm>
+          <a:prstGeom prst="rect">
+            <a:avLst/>
+          </a:prstGeom>
+          <a:noFill/>
+        </p:spPr>
+        <p:txBody>
+          <a:bodyPr wrap="square" rtlCol="0">
+            <a:spAutoFit/>
+          </a:bodyPr>
+          <a:lstStyle/>
+          <a:p>
+            <a:pPr algn="ctr"/>
+            <a:r>
+              <a:rPr lang="en-US" altLang="ko-KR" sz="4000" b="1" dirty="0" smtClean="0"/>
+              <a:t>3</a:t>
+            </a:r>
+            <a:endParaRPr lang="ko-KR" altLang="en-US" sz="4000" b="1" dirty="0"/>
+          </a:p>
+        </p:txBody>
+      </p:sp>
+      <p:sp>
+        <p:nvSpPr>
+          <p:cNvPr id="19" name="TextBox 18"/>
+          <p:cNvSpPr txBox="1"/>
+          <p:nvPr/>
+        </p:nvSpPr>
+        <p:spPr>
+          <a:xfrm>
+            <a:off x="6295284" y="1611828"/>
+            <a:ext cx="951475" cy="856543"/>
+          </a:xfrm>
+          <a:prstGeom prst="rect">
+            <a:avLst/>
+          </a:prstGeom>
+          <a:noFill/>
+        </p:spPr>
+        <p:txBody>
+          <a:bodyPr wrap="square" rtlCol="0">
+            <a:spAutoFit/>
+          </a:bodyPr>
+          <a:lstStyle/>
+          <a:p>
+            <a:pPr algn="ctr"/>
+            <a:r>
+              <a:rPr lang="en-US" altLang="ko-KR" sz="4000" b="1" dirty="0" smtClean="0"/>
+              <a:t>21</a:t>
+            </a:r>
+            <a:endParaRPr lang="ko-KR" altLang="en-US" sz="4000" b="1" dirty="0"/>
+          </a:p>
+        </p:txBody>
+      </p:sp>
+      <p:sp>
+        <p:nvSpPr>
+          <p:cNvPr id="20" name="TextBox 19"/>
+          <p:cNvSpPr txBox="1"/>
+          <p:nvPr/>
+        </p:nvSpPr>
+        <p:spPr>
+          <a:xfrm>
+            <a:off x="5162140" y="4953566"/>
+            <a:ext cx="1133144" cy="856543"/>
+          </a:xfrm>
+          <a:prstGeom prst="rect">
+            <a:avLst/>
+          </a:prstGeom>
+          <a:noFill/>
+        </p:spPr>
+        <p:txBody>
+          <a:bodyPr wrap="square" rtlCol="0">
+            <a:spAutoFit/>
+          </a:bodyPr>
+          <a:lstStyle/>
+          <a:p>
+            <a:pPr algn="ctr"/>
+            <a:r>
+              <a:rPr lang="en-US" altLang="ko-KR" sz="4000" b="1" dirty="0" smtClean="0"/>
+              <a:t>40</a:t>
+            </a:r>
+            <a:endParaRPr lang="ko-KR" altLang="en-US" sz="4000" b="1" dirty="0"/>
+          </a:p>
+        </p:txBody>
+      </p:sp>
+      <p:sp>
+        <p:nvSpPr>
+          <p:cNvPr id="21" name="TextBox 20"/>
+          <p:cNvSpPr txBox="1"/>
+          <p:nvPr/>
+        </p:nvSpPr>
+        <p:spPr>
+          <a:xfrm>
+            <a:off x="2881010" y="2015216"/>
+            <a:ext cx="1103763" cy="856543"/>
+          </a:xfrm>
+          <a:prstGeom prst="rect">
+            <a:avLst/>
+          </a:prstGeom>
+          <a:noFill/>
+        </p:spPr>
+        <p:txBody>
+          <a:bodyPr wrap="square" rtlCol="0">
+            <a:spAutoFit/>
+          </a:bodyPr>
+          <a:lstStyle/>
+          <a:p>
+            <a:pPr algn="ctr"/>
+            <a:r>
+              <a:rPr lang="en-US" altLang="ko-KR" sz="4000" b="1" dirty="0" smtClean="0"/>
+              <a:t>33</a:t>
+            </a:r>
+            <a:endParaRPr lang="ko-KR" altLang="en-US" sz="4000" b="1" dirty="0"/>
+          </a:p>
+        </p:txBody>
+      </p:sp>
+    </p:spTree>
+    <p:extLst>
+      <p:ext uri="{BB962C8B-B14F-4D97-AF65-F5344CB8AC3E}">
+        <p14:creationId xmlns:p14="http://schemas.microsoft.com/office/powerpoint/2010/main" val="328976440"/>
+      </p:ext>
+    </p:extLst>
+  </p:cSld>
+  <p:clrMapOvr>
+    <a:masterClrMapping/>
+  </p:clrMapOvr>
+</p:sld>
+</file>
+
+<file path=ppt/slides/slide11.xml><?xml version="1.0" encoding="utf-8"?>
+<p:sld xmlns:a="http://schemas.openxmlformats.org/drawingml/2006/main" xmlns:r="http://schemas.openxmlformats.org/officeDocument/2006/relationships" xmlns:p="http://schemas.openxmlformats.org/presentationml/2006/main">
+  <p:cSld>
+    <p:spTree>
+      <p:nvGrpSpPr>
+        <p:cNvPr id="1" name=""/>
+        <p:cNvGrpSpPr/>
+        <p:nvPr/>
+      </p:nvGrpSpPr>
+      <p:grpSpPr>
+        <a:xfrm>
+          <a:off x="0" y="0"/>
+          <a:ext cx="0" cy="0"/>
+          <a:chOff x="0" y="0"/>
+          <a:chExt cx="0" cy="0"/>
+        </a:xfrm>
+      </p:grpSpPr>
+      <p:grpSp>
+        <p:nvGrpSpPr>
+          <p:cNvPr id="9" name="그룹 8"/>
+          <p:cNvGrpSpPr/>
+          <p:nvPr/>
+        </p:nvGrpSpPr>
+        <p:grpSpPr>
+          <a:xfrm>
+            <a:off x="8816393" y="2513549"/>
+            <a:ext cx="1853319" cy="1710770"/>
+            <a:chOff x="10633166" y="804526"/>
+            <a:chExt cx="1392425" cy="1062253"/>
+          </a:xfrm>
+        </p:grpSpPr>
+        <p:sp>
+          <p:nvSpPr>
+            <p:cNvPr id="10" name="직사각형 9"/>
+            <p:cNvSpPr/>
+            <p:nvPr/>
+          </p:nvSpPr>
+          <p:spPr>
+            <a:xfrm>
+              <a:off x="10633166" y="824159"/>
+              <a:ext cx="365760" cy="226841"/>
+            </a:xfrm>
+            <a:prstGeom prst="rect">
+              <a:avLst/>
+            </a:prstGeom>
+            <a:ln>
+              <a:noFill/>
+            </a:ln>
+          </p:spPr>
+          <p:style>
+            <a:lnRef idx="2">
+              <a:schemeClr val="accent1">
+                <a:shade val="50000"/>
+              </a:schemeClr>
+            </a:lnRef>
+            <a:fillRef idx="1">
+              <a:schemeClr val="accent1"/>
+            </a:fillRef>
+            <a:effectRef idx="0">
+              <a:schemeClr val="accent1"/>
+            </a:effectRef>
+            <a:fontRef idx="minor">
+              <a:schemeClr val="lt1"/>
+            </a:fontRef>
+          </p:style>
+          <p:txBody>
+            <a:bodyPr rtlCol="0" anchor="ctr"/>
+            <a:lstStyle/>
+            <a:p>
+              <a:pPr algn="ctr"/>
+              <a:endParaRPr lang="ko-KR" altLang="en-US" sz="3600">
+                <a:solidFill>
+                  <a:schemeClr val="accent1"/>
+                </a:solidFill>
+              </a:endParaRPr>
+            </a:p>
+          </p:txBody>
+        </p:sp>
+        <p:sp>
+          <p:nvSpPr>
+            <p:cNvPr id="11" name="직사각형 10"/>
+            <p:cNvSpPr/>
+            <p:nvPr/>
+          </p:nvSpPr>
+          <p:spPr>
+            <a:xfrm>
+              <a:off x="10633166" y="1093725"/>
+              <a:ext cx="365760" cy="226841"/>
+            </a:xfrm>
+            <a:prstGeom prst="rect">
+              <a:avLst/>
+            </a:prstGeom>
+            <a:solidFill>
+              <a:srgbClr val="C00000"/>
+            </a:solidFill>
+            <a:ln>
+              <a:noFill/>
+            </a:ln>
+          </p:spPr>
+          <p:style>
+            <a:lnRef idx="2">
+              <a:schemeClr val="accent1">
+                <a:shade val="50000"/>
+              </a:schemeClr>
+            </a:lnRef>
+            <a:fillRef idx="1">
+              <a:schemeClr val="accent1"/>
+            </a:fillRef>
+            <a:effectRef idx="0">
+              <a:schemeClr val="accent1"/>
+            </a:effectRef>
+            <a:fontRef idx="minor">
+              <a:schemeClr val="lt1"/>
+            </a:fontRef>
+          </p:style>
+          <p:txBody>
+            <a:bodyPr rtlCol="0" anchor="ctr"/>
+            <a:lstStyle/>
+            <a:p>
+              <a:pPr algn="ctr"/>
+              <a:endParaRPr lang="ko-KR" altLang="en-US" sz="3600">
+                <a:solidFill>
+                  <a:schemeClr val="accent1"/>
+                </a:solidFill>
+              </a:endParaRPr>
+            </a:p>
+          </p:txBody>
+        </p:sp>
+        <p:sp>
+          <p:nvSpPr>
+            <p:cNvPr id="12" name="직사각형 11"/>
+            <p:cNvSpPr/>
+            <p:nvPr/>
+          </p:nvSpPr>
+          <p:spPr>
+            <a:xfrm>
+              <a:off x="10633166" y="1363291"/>
+              <a:ext cx="365760" cy="226841"/>
+            </a:xfrm>
+            <a:prstGeom prst="rect">
+              <a:avLst/>
+            </a:prstGeom>
+            <a:solidFill>
+              <a:srgbClr val="00B050"/>
+            </a:solidFill>
+            <a:ln>
+              <a:noFill/>
+            </a:ln>
+          </p:spPr>
+          <p:style>
+            <a:lnRef idx="2">
+              <a:schemeClr val="accent1">
+                <a:shade val="50000"/>
+              </a:schemeClr>
+            </a:lnRef>
+            <a:fillRef idx="1">
+              <a:schemeClr val="accent1"/>
+            </a:fillRef>
+            <a:effectRef idx="0">
+              <a:schemeClr val="accent1"/>
+            </a:effectRef>
+            <a:fontRef idx="minor">
+              <a:schemeClr val="lt1"/>
+            </a:fontRef>
+          </p:style>
+          <p:txBody>
+            <a:bodyPr rtlCol="0" anchor="ctr"/>
+            <a:lstStyle/>
+            <a:p>
+              <a:pPr algn="ctr"/>
+              <a:endParaRPr lang="ko-KR" altLang="en-US" sz="3600">
+                <a:solidFill>
+                  <a:schemeClr val="accent1"/>
+                </a:solidFill>
+              </a:endParaRPr>
+            </a:p>
+          </p:txBody>
+        </p:sp>
+        <p:sp>
+          <p:nvSpPr>
+            <p:cNvPr id="13" name="직사각형 12"/>
+            <p:cNvSpPr/>
+            <p:nvPr/>
+          </p:nvSpPr>
+          <p:spPr>
+            <a:xfrm>
+              <a:off x="10633166" y="1632857"/>
+              <a:ext cx="365760" cy="226841"/>
+            </a:xfrm>
+            <a:prstGeom prst="rect">
+              <a:avLst/>
+            </a:prstGeom>
+            <a:solidFill>
+              <a:srgbClr val="FFC000"/>
+            </a:solidFill>
+            <a:ln>
+              <a:noFill/>
+            </a:ln>
+          </p:spPr>
+          <p:style>
+            <a:lnRef idx="2">
+              <a:schemeClr val="accent1">
+                <a:shade val="50000"/>
+              </a:schemeClr>
+            </a:lnRef>
+            <a:fillRef idx="1">
+              <a:schemeClr val="accent1"/>
+            </a:fillRef>
+            <a:effectRef idx="0">
+              <a:schemeClr val="accent1"/>
+            </a:effectRef>
+            <a:fontRef idx="minor">
+              <a:schemeClr val="lt1"/>
+            </a:fontRef>
+          </p:style>
+          <p:txBody>
+            <a:bodyPr rtlCol="0" anchor="ctr"/>
+            <a:lstStyle/>
+            <a:p>
+              <a:pPr algn="ctr"/>
+              <a:endParaRPr lang="ko-KR" altLang="en-US" sz="3600">
+                <a:solidFill>
+                  <a:schemeClr val="accent1"/>
+                </a:solidFill>
+              </a:endParaRPr>
+            </a:p>
+          </p:txBody>
+        </p:sp>
+        <p:sp>
+          <p:nvSpPr>
+            <p:cNvPr id="14" name="TextBox 13"/>
+            <p:cNvSpPr txBox="1"/>
+            <p:nvPr/>
+          </p:nvSpPr>
+          <p:spPr>
+            <a:xfrm>
+              <a:off x="11011987" y="804526"/>
+              <a:ext cx="849086" cy="248437"/>
+            </a:xfrm>
+            <a:prstGeom prst="rect">
+              <a:avLst/>
+            </a:prstGeom>
+            <a:noFill/>
+          </p:spPr>
+          <p:txBody>
+            <a:bodyPr wrap="square" rtlCol="0">
+              <a:spAutoFit/>
+            </a:bodyPr>
+            <a:lstStyle/>
+            <a:p>
+              <a:r>
+                <a:rPr lang="en-US" altLang="ko-KR" sz="2000" dirty="0" smtClean="0"/>
+                <a:t>Novice</a:t>
+              </a:r>
+              <a:endParaRPr lang="ko-KR" altLang="en-US" sz="2000" dirty="0"/>
+            </a:p>
+          </p:txBody>
+        </p:sp>
+        <p:sp>
+          <p:nvSpPr>
+            <p:cNvPr id="15" name="TextBox 14"/>
+            <p:cNvSpPr txBox="1"/>
+            <p:nvPr/>
+          </p:nvSpPr>
+          <p:spPr>
+            <a:xfrm>
+              <a:off x="11011987" y="1071986"/>
+              <a:ext cx="1013604" cy="248437"/>
+            </a:xfrm>
+            <a:prstGeom prst="rect">
+              <a:avLst/>
+            </a:prstGeom>
+            <a:noFill/>
+          </p:spPr>
+          <p:txBody>
+            <a:bodyPr wrap="square" rtlCol="0">
+              <a:spAutoFit/>
+            </a:bodyPr>
+            <a:lstStyle/>
+            <a:p>
+              <a:r>
+                <a:rPr lang="en-US" altLang="ko-KR" sz="2000" dirty="0" smtClean="0"/>
+                <a:t>Slapstick</a:t>
+              </a:r>
+              <a:endParaRPr lang="ko-KR" altLang="en-US" sz="2000" dirty="0"/>
+            </a:p>
+          </p:txBody>
+        </p:sp>
+        <p:sp>
+          <p:nvSpPr>
+            <p:cNvPr id="16" name="TextBox 15"/>
+            <p:cNvSpPr txBox="1"/>
+            <p:nvPr/>
+          </p:nvSpPr>
+          <p:spPr>
+            <a:xfrm>
+              <a:off x="11011987" y="1337154"/>
+              <a:ext cx="849086" cy="248437"/>
+            </a:xfrm>
+            <a:prstGeom prst="rect">
+              <a:avLst/>
+            </a:prstGeom>
+            <a:noFill/>
+          </p:spPr>
+          <p:txBody>
+            <a:bodyPr wrap="square" rtlCol="0">
+              <a:spAutoFit/>
+            </a:bodyPr>
+            <a:lstStyle/>
+            <a:p>
+              <a:r>
+                <a:rPr lang="en-US" altLang="ko-KR" sz="2000" dirty="0" smtClean="0"/>
+                <a:t>Expert</a:t>
+              </a:r>
+              <a:endParaRPr lang="ko-KR" altLang="en-US" sz="2000" dirty="0"/>
+            </a:p>
+          </p:txBody>
+        </p:sp>
+        <p:sp>
+          <p:nvSpPr>
+            <p:cNvPr id="17" name="TextBox 16"/>
+            <p:cNvSpPr txBox="1"/>
+            <p:nvPr/>
+          </p:nvSpPr>
+          <p:spPr>
+            <a:xfrm>
+              <a:off x="11011987" y="1618342"/>
+              <a:ext cx="849086" cy="248437"/>
+            </a:xfrm>
+            <a:prstGeom prst="rect">
+              <a:avLst/>
+            </a:prstGeom>
+            <a:noFill/>
+          </p:spPr>
+          <p:txBody>
+            <a:bodyPr wrap="square" rtlCol="0">
+              <a:spAutoFit/>
+            </a:bodyPr>
+            <a:lstStyle/>
+            <a:p>
+              <a:r>
+                <a:rPr lang="en-US" altLang="ko-KR" sz="2000" dirty="0" smtClean="0"/>
+                <a:t>Circus</a:t>
+              </a:r>
+              <a:endParaRPr lang="ko-KR" altLang="en-US" sz="2000" dirty="0"/>
+            </a:p>
+          </p:txBody>
+        </p:sp>
+      </p:grpSp>
+      <p:graphicFrame>
+        <p:nvGraphicFramePr>
+          <p:cNvPr id="22" name="차트 21"/>
+          <p:cNvGraphicFramePr/>
+          <p:nvPr>
+            <p:extLst>
+              <p:ext uri="{D42A27DB-BD31-4B8C-83A1-F6EECF244321}">
+                <p14:modId xmlns:p14="http://schemas.microsoft.com/office/powerpoint/2010/main" val="2916520101"/>
+              </p:ext>
+            </p:extLst>
+          </p:nvPr>
+        </p:nvGraphicFramePr>
+        <p:xfrm>
+          <a:off x="414176" y="94359"/>
+          <a:ext cx="9317425" cy="6638173"/>
+        </p:xfrm>
+        <a:graphic>
+          <a:graphicData uri="http://schemas.openxmlformats.org/drawingml/2006/chart">
+            <c:chart xmlns:c="http://schemas.openxmlformats.org/drawingml/2006/chart" xmlns:r="http://schemas.openxmlformats.org/officeDocument/2006/relationships" r:id="rId2"/>
+          </a:graphicData>
+        </a:graphic>
+      </p:graphicFrame>
+      <p:sp>
+        <p:nvSpPr>
+          <p:cNvPr id="23" name="TextBox 22"/>
+          <p:cNvSpPr txBox="1"/>
+          <p:nvPr/>
+        </p:nvSpPr>
+        <p:spPr>
+          <a:xfrm>
+            <a:off x="5840622" y="1363207"/>
+            <a:ext cx="1252479" cy="707886"/>
+          </a:xfrm>
+          <a:prstGeom prst="rect">
+            <a:avLst/>
+          </a:prstGeom>
+          <a:noFill/>
+        </p:spPr>
+        <p:txBody>
+          <a:bodyPr wrap="square" rtlCol="0">
+            <a:spAutoFit/>
+          </a:bodyPr>
+          <a:lstStyle/>
+          <a:p>
+            <a:pPr algn="ctr"/>
+            <a:r>
+              <a:rPr lang="en-US" altLang="ko-KR" sz="4000" b="1" dirty="0" smtClean="0"/>
+              <a:t>29%</a:t>
+            </a:r>
+          </a:p>
+        </p:txBody>
+      </p:sp>
+      <p:sp>
+        <p:nvSpPr>
+          <p:cNvPr id="24" name="TextBox 23"/>
+          <p:cNvSpPr txBox="1"/>
+          <p:nvPr/>
+        </p:nvSpPr>
+        <p:spPr>
+          <a:xfrm>
+            <a:off x="3102719" y="1363207"/>
+            <a:ext cx="1232284" cy="707886"/>
+          </a:xfrm>
+          <a:prstGeom prst="rect">
+            <a:avLst/>
+          </a:prstGeom>
+          <a:noFill/>
+        </p:spPr>
+        <p:txBody>
+          <a:bodyPr wrap="square" rtlCol="0">
+            <a:spAutoFit/>
+          </a:bodyPr>
+          <a:lstStyle/>
+          <a:p>
+            <a:pPr algn="ctr"/>
+            <a:r>
+              <a:rPr lang="en-US" altLang="ko-KR" sz="4000" b="1" dirty="0" smtClean="0"/>
+              <a:t>31%</a:t>
+            </a:r>
+          </a:p>
+        </p:txBody>
+      </p:sp>
+      <p:sp>
+        <p:nvSpPr>
+          <p:cNvPr id="25" name="TextBox 24"/>
+          <p:cNvSpPr txBox="1"/>
+          <p:nvPr/>
+        </p:nvSpPr>
+        <p:spPr>
+          <a:xfrm>
+            <a:off x="6152531" y="4047869"/>
+            <a:ext cx="1339323" cy="707886"/>
+          </a:xfrm>
+          <a:prstGeom prst="rect">
+            <a:avLst/>
+          </a:prstGeom>
+          <a:noFill/>
+        </p:spPr>
+        <p:txBody>
+          <a:bodyPr wrap="square" rtlCol="0">
+            <a:spAutoFit/>
+          </a:bodyPr>
+          <a:lstStyle/>
+          <a:p>
+            <a:pPr algn="ctr"/>
+            <a:r>
+              <a:rPr lang="en-US" altLang="ko-KR" sz="4000" b="1" dirty="0" smtClean="0"/>
+              <a:t>36%</a:t>
+            </a:r>
+          </a:p>
+        </p:txBody>
+      </p:sp>
+      <p:sp>
+        <p:nvSpPr>
+          <p:cNvPr id="26" name="TextBox 25"/>
+          <p:cNvSpPr txBox="1"/>
+          <p:nvPr/>
+        </p:nvSpPr>
+        <p:spPr>
+          <a:xfrm>
+            <a:off x="2962210" y="4431610"/>
+            <a:ext cx="1372793" cy="707886"/>
+          </a:xfrm>
+          <a:prstGeom prst="rect">
+            <a:avLst/>
+          </a:prstGeom>
+          <a:noFill/>
+        </p:spPr>
+        <p:txBody>
+          <a:bodyPr wrap="square" rtlCol="0">
+            <a:spAutoFit/>
+          </a:bodyPr>
+          <a:lstStyle/>
+          <a:p>
+            <a:pPr algn="ctr"/>
+            <a:r>
+              <a:rPr lang="en-US" altLang="ko-KR" sz="4000" b="1" dirty="0" smtClean="0"/>
+              <a:t>42%</a:t>
+            </a:r>
+          </a:p>
+        </p:txBody>
+      </p:sp>
+    </p:spTree>
+    <p:extLst>
+      <p:ext uri="{BB962C8B-B14F-4D97-AF65-F5344CB8AC3E}">
+        <p14:creationId xmlns:p14="http://schemas.microsoft.com/office/powerpoint/2010/main" val="1846835914"/>
+      </p:ext>
+    </p:extLst>
+  </p:cSld>
+  <p:clrMapOvr>
+    <a:masterClrMapping/>
+  </p:clrMapOvr>
+</p:sld>
+</file>
+
+<file path=ppt/slides/slide12.xml><?xml version="1.0" encoding="utf-8"?>
+<p:sld xmlns:a="http://schemas.openxmlformats.org/drawingml/2006/main" xmlns:r="http://schemas.openxmlformats.org/officeDocument/2006/relationships" xmlns:p="http://schemas.openxmlformats.org/presentationml/2006/main">
+  <p:cSld>
+    <p:spTree>
+      <p:nvGrpSpPr>
+        <p:cNvPr id="1" name=""/>
+        <p:cNvGrpSpPr/>
+        <p:nvPr/>
+      </p:nvGrpSpPr>
+      <p:grpSpPr>
+        <a:xfrm>
+          <a:off x="0" y="0"/>
+          <a:ext cx="0" cy="0"/>
+          <a:chOff x="0" y="0"/>
+          <a:chExt cx="0" cy="0"/>
+        </a:xfrm>
+      </p:grpSpPr>
       <p:sp>
         <p:nvSpPr>
           <p:cNvPr id="4" name="모서리가 둥근 직사각형 3"/>
@@ -5135,14 +6149,14 @@
         </p:nvSpPr>
         <p:spPr>
           <a:xfrm>
-            <a:off x="4356101" y="525715"/>
-            <a:ext cx="2775064" cy="2101539"/>
+            <a:off x="3896828" y="525715"/>
+            <a:ext cx="3693610" cy="2101539"/>
           </a:xfrm>
           <a:prstGeom prst="roundRect">
             <a:avLst/>
           </a:prstGeom>
           <a:solidFill>
-            <a:srgbClr val="B762CE"/>
+            <a:srgbClr val="7030A0"/>
           </a:solidFill>
           <a:ln>
             <a:solidFill>
@@ -5173,7 +6187,7 @@
             <a:pPr algn="ctr"/>
             <a:r>
               <a:rPr lang="en-US" altLang="ko-KR" sz="6000" b="1" dirty="0" smtClean="0"/>
-              <a:t>Circus</a:t>
+              <a:t>Acrobat</a:t>
             </a:r>
             <a:endParaRPr lang="ko-KR" altLang="en-US" sz="6000" b="1" dirty="0"/>
           </a:p>
@@ -5241,7 +6255,7 @@
             <p:cNvPr id="7" name="직사각형 6">
               <a:extLst>
                 <a:ext uri="{FF2B5EF4-FFF2-40B4-BE49-F238E27FC236}">
-                  <a16:creationId xmlns:a16="http://schemas.microsoft.com/office/drawing/2014/main" xmlns="" id="{3FA00699-5178-465A-9F3F-130CF1431F70}"/>
+                  <a16:creationId xmlns="" xmlns:a16="http://schemas.microsoft.com/office/drawing/2014/main" id="{3FA00699-5178-465A-9F3F-130CF1431F70}"/>
                 </a:ext>
               </a:extLst>
             </p:cNvPr>
@@ -5347,7 +6361,7 @@
             <p:cNvPr id="26" name="직사각형 25">
               <a:extLst>
                 <a:ext uri="{FF2B5EF4-FFF2-40B4-BE49-F238E27FC236}">
-                  <a16:creationId xmlns:a16="http://schemas.microsoft.com/office/drawing/2014/main" xmlns="" id="{3FA00699-5178-465A-9F3F-130CF1431F70}"/>
+                  <a16:creationId xmlns="" xmlns:a16="http://schemas.microsoft.com/office/drawing/2014/main" id="{3FA00699-5178-465A-9F3F-130CF1431F70}"/>
                 </a:ext>
               </a:extLst>
             </p:cNvPr>
@@ -5448,7 +6462,7 @@
             <p:cNvPr id="28" name="직사각형 27">
               <a:extLst>
                 <a:ext uri="{FF2B5EF4-FFF2-40B4-BE49-F238E27FC236}">
-                  <a16:creationId xmlns:a16="http://schemas.microsoft.com/office/drawing/2014/main" xmlns="" id="{3FA00699-5178-465A-9F3F-130CF1431F70}"/>
+                  <a16:creationId xmlns="" xmlns:a16="http://schemas.microsoft.com/office/drawing/2014/main" id="{3FA00699-5178-465A-9F3F-130CF1431F70}"/>
                 </a:ext>
               </a:extLst>
             </p:cNvPr>
@@ -5599,6 +6613,36 @@
           </a:fontRef>
         </p:style>
       </p:cxnSp>
+      <p:sp>
+        <p:nvSpPr>
+          <p:cNvPr id="15" name="TextBox 14"/>
+          <p:cNvSpPr txBox="1"/>
+          <p:nvPr/>
+        </p:nvSpPr>
+        <p:spPr>
+          <a:xfrm>
+            <a:off x="391886" y="274320"/>
+            <a:ext cx="404948" cy="369332"/>
+          </a:xfrm>
+          <a:prstGeom prst="rect">
+            <a:avLst/>
+          </a:prstGeom>
+          <a:noFill/>
+        </p:spPr>
+        <p:txBody>
+          <a:bodyPr wrap="square" rtlCol="0">
+            <a:spAutoFit/>
+          </a:bodyPr>
+          <a:lstStyle/>
+          <a:p>
+            <a:r>
+              <a:rPr lang="ko-KR" altLang="en-US" dirty="0" err="1" smtClean="0"/>
+              <a:t>ㄱ</a:t>
+            </a:r>
+            <a:endParaRPr lang="en-US" altLang="ko-KR" dirty="0" smtClean="0"/>
+          </a:p>
+        </p:txBody>
+      </p:sp>
     </p:spTree>
     <p:extLst>
       <p:ext uri="{BB962C8B-B14F-4D97-AF65-F5344CB8AC3E}">
@@ -5612,7 +6656,7 @@
 </p:sld>
 </file>
 
-<file path=ppt/slides/slide11.xml><?xml version="1.0" encoding="utf-8"?>
+<file path=ppt/slides/slide13.xml><?xml version="1.0" encoding="utf-8"?>
 <p:sld xmlns:a="http://schemas.openxmlformats.org/drawingml/2006/main" xmlns:r="http://schemas.openxmlformats.org/officeDocument/2006/relationships" xmlns:p="http://schemas.openxmlformats.org/presentationml/2006/main">
   <p:cSld>
     <p:spTree>
@@ -7195,7 +8239,7 @@
 </p:sld>
 </file>
 
-<file path=ppt/slides/slide12.xml><?xml version="1.0" encoding="utf-8"?>
+<file path=ppt/slides/slide14.xml><?xml version="1.0" encoding="utf-8"?>
 <p:sld xmlns:a="http://schemas.openxmlformats.org/drawingml/2006/main" xmlns:r="http://schemas.openxmlformats.org/officeDocument/2006/relationships" xmlns:p="http://schemas.openxmlformats.org/presentationml/2006/main">
   <p:cSld>
     <p:spTree>
@@ -7965,7 +9009,7 @@
 </p:sld>
 </file>
 
-<file path=ppt/slides/slide13.xml><?xml version="1.0" encoding="utf-8"?>
+<file path=ppt/slides/slide15.xml><?xml version="1.0" encoding="utf-8"?>
 <p:sld xmlns:a="http://schemas.openxmlformats.org/drawingml/2006/main" xmlns:r="http://schemas.openxmlformats.org/officeDocument/2006/relationships" xmlns:p="http://schemas.openxmlformats.org/presentationml/2006/main">
   <p:cSld>
     <p:spTree>
@@ -8757,6 +9801,378 @@
           <a:chExt cx="0" cy="0"/>
         </a:xfrm>
       </p:grpSpPr>
+      <p:cxnSp>
+        <p:nvCxnSpPr>
+          <p:cNvPr id="8" name="직선 화살표 연결선 7"/>
+          <p:cNvCxnSpPr/>
+          <p:nvPr/>
+        </p:nvCxnSpPr>
+        <p:spPr>
+          <a:xfrm flipV="1">
+            <a:off x="3554948" y="1094411"/>
+            <a:ext cx="0" cy="4684304"/>
+          </a:xfrm>
+          <a:prstGeom prst="straightConnector1">
+            <a:avLst/>
+          </a:prstGeom>
+          <a:ln w="38100">
+            <a:solidFill>
+              <a:schemeClr val="tx1"/>
+            </a:solidFill>
+            <a:tailEnd type="triangle"/>
+          </a:ln>
+        </p:spPr>
+        <p:style>
+          <a:lnRef idx="1">
+            <a:schemeClr val="accent1"/>
+          </a:lnRef>
+          <a:fillRef idx="0">
+            <a:schemeClr val="accent1"/>
+          </a:fillRef>
+          <a:effectRef idx="0">
+            <a:schemeClr val="accent1"/>
+          </a:effectRef>
+          <a:fontRef idx="minor">
+            <a:schemeClr val="tx1"/>
+          </a:fontRef>
+        </p:style>
+      </p:cxnSp>
+      <p:cxnSp>
+        <p:nvCxnSpPr>
+          <p:cNvPr id="9" name="직선 화살표 연결선 8"/>
+          <p:cNvCxnSpPr/>
+          <p:nvPr/>
+        </p:nvCxnSpPr>
+        <p:spPr>
+          <a:xfrm>
+            <a:off x="3571574" y="5765652"/>
+            <a:ext cx="5115226" cy="0"/>
+          </a:xfrm>
+          <a:prstGeom prst="straightConnector1">
+            <a:avLst/>
+          </a:prstGeom>
+          <a:ln w="38100">
+            <a:solidFill>
+              <a:schemeClr val="tx1"/>
+            </a:solidFill>
+            <a:tailEnd type="triangle"/>
+          </a:ln>
+        </p:spPr>
+        <p:style>
+          <a:lnRef idx="1">
+            <a:schemeClr val="accent1"/>
+          </a:lnRef>
+          <a:fillRef idx="0">
+            <a:schemeClr val="accent1"/>
+          </a:fillRef>
+          <a:effectRef idx="0">
+            <a:schemeClr val="accent1"/>
+          </a:effectRef>
+          <a:fontRef idx="minor">
+            <a:schemeClr val="tx1"/>
+          </a:fontRef>
+        </p:style>
+      </p:cxnSp>
+      <p:sp>
+        <p:nvSpPr>
+          <p:cNvPr id="10" name="TextBox 9"/>
+          <p:cNvSpPr txBox="1"/>
+          <p:nvPr/>
+        </p:nvSpPr>
+        <p:spPr>
+          <a:xfrm>
+            <a:off x="4867643" y="5801280"/>
+            <a:ext cx="2590408" cy="461665"/>
+          </a:xfrm>
+          <a:prstGeom prst="rect">
+            <a:avLst/>
+          </a:prstGeom>
+          <a:noFill/>
+        </p:spPr>
+        <p:txBody>
+          <a:bodyPr wrap="square" rtlCol="0">
+            <a:spAutoFit/>
+          </a:bodyPr>
+          <a:lstStyle/>
+          <a:p>
+            <a:pPr algn="ctr"/>
+            <a:r>
+              <a:rPr lang="en-US" altLang="ko-KR" sz="2400" b="1" dirty="0" smtClean="0"/>
+              <a:t>Amusement</a:t>
+            </a:r>
+            <a:endParaRPr lang="en-US" altLang="ko-KR" sz="2400" b="1" dirty="0"/>
+          </a:p>
+        </p:txBody>
+      </p:sp>
+      <p:sp>
+        <p:nvSpPr>
+          <p:cNvPr id="11" name="TextBox 10"/>
+          <p:cNvSpPr txBox="1"/>
+          <p:nvPr/>
+        </p:nvSpPr>
+        <p:spPr>
+          <a:xfrm rot="16200000">
+            <a:off x="2028674" y="3027266"/>
+            <a:ext cx="2415047" cy="461665"/>
+          </a:xfrm>
+          <a:prstGeom prst="rect">
+            <a:avLst/>
+          </a:prstGeom>
+          <a:noFill/>
+        </p:spPr>
+        <p:txBody>
+          <a:bodyPr wrap="square" rtlCol="0">
+            <a:spAutoFit/>
+          </a:bodyPr>
+          <a:lstStyle/>
+          <a:p>
+            <a:pPr algn="ctr"/>
+            <a:r>
+              <a:rPr lang="en-US" altLang="ko-KR" sz="2400" b="1" dirty="0" smtClean="0"/>
+              <a:t>Expertise</a:t>
+            </a:r>
+            <a:endParaRPr lang="en-US" altLang="ko-KR" sz="2400" b="1" dirty="0" smtClean="0"/>
+          </a:p>
+        </p:txBody>
+      </p:sp>
+      <p:sp>
+        <p:nvSpPr>
+          <p:cNvPr id="12" name="직사각형 11"/>
+          <p:cNvSpPr/>
+          <p:nvPr/>
+        </p:nvSpPr>
+        <p:spPr>
+          <a:xfrm>
+            <a:off x="3815647" y="3340582"/>
+            <a:ext cx="2347200" cy="2160000"/>
+          </a:xfrm>
+          <a:prstGeom prst="rect">
+            <a:avLst/>
+          </a:prstGeom>
+          <a:solidFill>
+            <a:srgbClr val="00B050"/>
+          </a:solidFill>
+          <a:ln>
+            <a:solidFill>
+              <a:schemeClr val="tx1"/>
+            </a:solidFill>
+          </a:ln>
+        </p:spPr>
+        <p:style>
+          <a:lnRef idx="2">
+            <a:schemeClr val="accent1">
+              <a:shade val="50000"/>
+            </a:schemeClr>
+          </a:lnRef>
+          <a:fillRef idx="1">
+            <a:schemeClr val="accent1"/>
+          </a:fillRef>
+          <a:effectRef idx="0">
+            <a:schemeClr val="accent1"/>
+          </a:effectRef>
+          <a:fontRef idx="minor">
+            <a:schemeClr val="lt1"/>
+          </a:fontRef>
+        </p:style>
+        <p:txBody>
+          <a:bodyPr rtlCol="0" anchor="ctr"/>
+          <a:lstStyle/>
+          <a:p>
+            <a:pPr algn="ctr"/>
+            <a:r>
+              <a:rPr lang="en-US" altLang="ko-KR" sz="3200" b="1" dirty="0" smtClean="0"/>
+              <a:t>Reviewer</a:t>
+            </a:r>
+            <a:endParaRPr lang="ko-KR" altLang="en-US" sz="3200" b="1" dirty="0"/>
+          </a:p>
+        </p:txBody>
+      </p:sp>
+      <p:sp>
+        <p:nvSpPr>
+          <p:cNvPr id="13" name="직사각형 12"/>
+          <p:cNvSpPr/>
+          <p:nvPr/>
+        </p:nvSpPr>
+        <p:spPr>
+          <a:xfrm>
+            <a:off x="3815647" y="1180582"/>
+            <a:ext cx="2347200" cy="2160000"/>
+          </a:xfrm>
+          <a:prstGeom prst="rect">
+            <a:avLst/>
+          </a:prstGeom>
+          <a:solidFill>
+            <a:srgbClr val="0070C0"/>
+          </a:solidFill>
+          <a:ln>
+            <a:solidFill>
+              <a:schemeClr val="tx1"/>
+            </a:solidFill>
+          </a:ln>
+        </p:spPr>
+        <p:style>
+          <a:lnRef idx="2">
+            <a:schemeClr val="accent1">
+              <a:shade val="50000"/>
+            </a:schemeClr>
+          </a:lnRef>
+          <a:fillRef idx="1">
+            <a:schemeClr val="accent1"/>
+          </a:fillRef>
+          <a:effectRef idx="0">
+            <a:schemeClr val="accent1"/>
+          </a:effectRef>
+          <a:fontRef idx="minor">
+            <a:schemeClr val="lt1"/>
+          </a:fontRef>
+        </p:style>
+        <p:txBody>
+          <a:bodyPr rtlCol="0" anchor="ctr"/>
+          <a:lstStyle/>
+          <a:p>
+            <a:pPr algn="ctr"/>
+            <a:r>
+              <a:rPr lang="en-US" altLang="ko-KR" sz="3200" b="1" dirty="0" smtClean="0"/>
+              <a:t>Master</a:t>
+            </a:r>
+            <a:endParaRPr lang="ko-KR" altLang="en-US" sz="3200" b="1" dirty="0"/>
+          </a:p>
+        </p:txBody>
+      </p:sp>
+      <p:sp>
+        <p:nvSpPr>
+          <p:cNvPr id="17" name="직사각형 16"/>
+          <p:cNvSpPr/>
+          <p:nvPr/>
+        </p:nvSpPr>
+        <p:spPr>
+          <a:xfrm>
+            <a:off x="6162847" y="3340582"/>
+            <a:ext cx="2348000" cy="2160000"/>
+          </a:xfrm>
+          <a:prstGeom prst="rect">
+            <a:avLst/>
+          </a:prstGeom>
+          <a:solidFill>
+            <a:srgbClr val="C00000"/>
+          </a:solidFill>
+          <a:ln>
+            <a:solidFill>
+              <a:schemeClr val="tx1"/>
+            </a:solidFill>
+          </a:ln>
+        </p:spPr>
+        <p:style>
+          <a:lnRef idx="2">
+            <a:schemeClr val="accent1">
+              <a:shade val="50000"/>
+            </a:schemeClr>
+          </a:lnRef>
+          <a:fillRef idx="1">
+            <a:schemeClr val="accent1"/>
+          </a:fillRef>
+          <a:effectRef idx="0">
+            <a:schemeClr val="accent1"/>
+          </a:effectRef>
+          <a:fontRef idx="minor">
+            <a:schemeClr val="lt1"/>
+          </a:fontRef>
+        </p:style>
+        <p:txBody>
+          <a:bodyPr rtlCol="0" anchor="ctr"/>
+          <a:lstStyle/>
+          <a:p>
+            <a:pPr algn="ctr"/>
+            <a:r>
+              <a:rPr lang="en-US" altLang="ko-KR" sz="3200" b="1" dirty="0" smtClean="0"/>
+              <a:t>Entertainer</a:t>
+            </a:r>
+            <a:endParaRPr lang="ko-KR" altLang="en-US" sz="3200" b="1" dirty="0"/>
+          </a:p>
+        </p:txBody>
+      </p:sp>
+      <p:sp>
+        <p:nvSpPr>
+          <p:cNvPr id="16" name="직사각형 15"/>
+          <p:cNvSpPr/>
+          <p:nvPr/>
+        </p:nvSpPr>
+        <p:spPr>
+          <a:xfrm>
+            <a:off x="6162847" y="1180582"/>
+            <a:ext cx="2348000" cy="2160000"/>
+          </a:xfrm>
+          <a:prstGeom prst="rect">
+            <a:avLst/>
+          </a:prstGeom>
+          <a:solidFill>
+            <a:srgbClr val="7030A0"/>
+          </a:solidFill>
+          <a:ln>
+            <a:solidFill>
+              <a:schemeClr val="tx1"/>
+            </a:solidFill>
+          </a:ln>
+        </p:spPr>
+        <p:style>
+          <a:lnRef idx="2">
+            <a:schemeClr val="accent1">
+              <a:shade val="50000"/>
+            </a:schemeClr>
+          </a:lnRef>
+          <a:fillRef idx="1">
+            <a:schemeClr val="accent1"/>
+          </a:fillRef>
+          <a:effectRef idx="0">
+            <a:schemeClr val="accent1"/>
+          </a:effectRef>
+          <a:fontRef idx="minor">
+            <a:schemeClr val="lt1"/>
+          </a:fontRef>
+        </p:style>
+        <p:txBody>
+          <a:bodyPr rtlCol="0" anchor="ctr"/>
+          <a:lstStyle/>
+          <a:p>
+            <a:pPr algn="ctr"/>
+            <a:r>
+              <a:rPr lang="en-US" altLang="ko-KR" sz="3200" b="1" dirty="0" smtClean="0"/>
+              <a:t>Acrobat</a:t>
+            </a:r>
+            <a:endParaRPr lang="ko-KR" altLang="en-US" sz="3200" b="1" dirty="0"/>
+          </a:p>
+        </p:txBody>
+      </p:sp>
+    </p:spTree>
+    <p:extLst>
+      <p:ext uri="{BB962C8B-B14F-4D97-AF65-F5344CB8AC3E}">
+        <p14:creationId xmlns:p14="http://schemas.microsoft.com/office/powerpoint/2010/main" val="1286372227"/>
+      </p:ext>
+    </p:extLst>
+  </p:cSld>
+  <p:clrMapOvr>
+    <a:masterClrMapping/>
+  </p:clrMapOvr>
+</p:sld>
+</file>
+
+<file path=ppt/slides/slide4.xml><?xml version="1.0" encoding="utf-8"?>
+<p:sld xmlns:a="http://schemas.openxmlformats.org/drawingml/2006/main" xmlns:r="http://schemas.openxmlformats.org/officeDocument/2006/relationships" xmlns:p="http://schemas.openxmlformats.org/presentationml/2006/main">
+  <p:cSld>
+    <p:spTree>
+      <p:nvGrpSpPr>
+        <p:cNvPr id="1" name=""/>
+        <p:cNvGrpSpPr/>
+        <p:nvPr/>
+      </p:nvGrpSpPr>
+      <p:grpSpPr>
+        <a:xfrm>
+          <a:off x="0" y="0"/>
+          <a:ext cx="0" cy="0"/>
+          <a:chOff x="0" y="0"/>
+          <a:chExt cx="0" cy="0"/>
+        </a:xfrm>
+      </p:grpSpPr>
       <p:pic>
         <p:nvPicPr>
           <p:cNvPr id="2" name="그림 1"/>
@@ -9175,7 +10591,7 @@
 </p:sld>
 </file>
 
-<file path=ppt/slides/slide4.xml><?xml version="1.0" encoding="utf-8"?>
+<file path=ppt/slides/slide5.xml><?xml version="1.0" encoding="utf-8"?>
 <p:sld xmlns:a="http://schemas.openxmlformats.org/drawingml/2006/main" xmlns:r="http://schemas.openxmlformats.org/officeDocument/2006/relationships" xmlns:p="http://schemas.openxmlformats.org/presentationml/2006/main">
   <p:cSld>
     <p:spTree>
@@ -9646,7 +11062,7 @@
 </p:sld>
 </file>
 
-<file path=ppt/slides/slide5.xml><?xml version="1.0" encoding="utf-8"?>
+<file path=ppt/slides/slide6.xml><?xml version="1.0" encoding="utf-8"?>
 <p:sld xmlns:a="http://schemas.openxmlformats.org/drawingml/2006/main" xmlns:r="http://schemas.openxmlformats.org/officeDocument/2006/relationships" xmlns:p="http://schemas.openxmlformats.org/presentationml/2006/main">
   <p:cSld>
     <p:spTree>
@@ -10181,7 +11597,591 @@
 </p:sld>
 </file>
 
-<file path=ppt/slides/slide6.xml><?xml version="1.0" encoding="utf-8"?>
+<file path=ppt/slides/slide7.xml><?xml version="1.0" encoding="utf-8"?>
+<p:sld xmlns:a="http://schemas.openxmlformats.org/drawingml/2006/main" xmlns:r="http://schemas.openxmlformats.org/officeDocument/2006/relationships" xmlns:p="http://schemas.openxmlformats.org/presentationml/2006/main">
+  <p:cSld>
+    <p:spTree>
+      <p:nvGrpSpPr>
+        <p:cNvPr id="1" name=""/>
+        <p:cNvGrpSpPr/>
+        <p:nvPr/>
+      </p:nvGrpSpPr>
+      <p:grpSpPr>
+        <a:xfrm>
+          <a:off x="0" y="0"/>
+          <a:ext cx="0" cy="0"/>
+          <a:chOff x="0" y="0"/>
+          <a:chExt cx="0" cy="0"/>
+        </a:xfrm>
+      </p:grpSpPr>
+      <p:pic>
+        <p:nvPicPr>
+          <p:cNvPr id="3" name="그림 2"/>
+          <p:cNvPicPr>
+            <a:picLocks noChangeAspect="1"/>
+          </p:cNvPicPr>
+          <p:nvPr/>
+        </p:nvPicPr>
+        <p:blipFill>
+          <a:blip r:embed="rId2">
+            <a:extLst>
+              <a:ext uri="{28A0092B-C50C-407E-A947-70E740481C1C}">
+                <a14:useLocalDpi xmlns:a14="http://schemas.microsoft.com/office/drawing/2010/main" val="0"/>
+              </a:ext>
+            </a:extLst>
+          </a:blip>
+          <a:stretch>
+            <a:fillRect/>
+          </a:stretch>
+        </p:blipFill>
+        <p:spPr>
+          <a:xfrm>
+            <a:off x="2963865" y="474897"/>
+            <a:ext cx="5808644" cy="5545185"/>
+          </a:xfrm>
+          <a:prstGeom prst="rect">
+            <a:avLst/>
+          </a:prstGeom>
+        </p:spPr>
+      </p:pic>
+      <p:sp>
+        <p:nvSpPr>
+          <p:cNvPr id="9" name="TextBox 8"/>
+          <p:cNvSpPr txBox="1"/>
+          <p:nvPr/>
+        </p:nvSpPr>
+        <p:spPr>
+          <a:xfrm>
+            <a:off x="4739117" y="4664426"/>
+            <a:ext cx="1406738" cy="830997"/>
+          </a:xfrm>
+          <a:prstGeom prst="rect">
+            <a:avLst/>
+          </a:prstGeom>
+          <a:noFill/>
+        </p:spPr>
+        <p:txBody>
+          <a:bodyPr wrap="square" rtlCol="0">
+            <a:spAutoFit/>
+          </a:bodyPr>
+          <a:lstStyle/>
+          <a:p>
+            <a:pPr algn="ctr"/>
+            <a:r>
+              <a:rPr lang="en-US" altLang="ko-KR" sz="2400" b="1" dirty="0" smtClean="0">
+                <a:solidFill>
+                  <a:schemeClr val="bg1"/>
+                </a:solidFill>
+                <a:latin typeface="Arial" panose="020B0604020202020204" pitchFamily="34" charset="0"/>
+                <a:cs typeface="Arial" panose="020B0604020202020204" pitchFamily="34" charset="0"/>
+              </a:rPr>
+              <a:t>Novice</a:t>
+            </a:r>
+          </a:p>
+          <a:p>
+            <a:pPr algn="ctr"/>
+            <a:r>
+              <a:rPr lang="en-US" altLang="ko-KR" sz="2400" b="1" dirty="0" smtClean="0">
+                <a:solidFill>
+                  <a:schemeClr val="bg1"/>
+                </a:solidFill>
+                <a:latin typeface="Arial" panose="020B0604020202020204" pitchFamily="34" charset="0"/>
+                <a:cs typeface="Arial" panose="020B0604020202020204" pitchFamily="34" charset="0"/>
+              </a:rPr>
+              <a:t>3 EA</a:t>
+            </a:r>
+            <a:endParaRPr lang="en-US" altLang="ko-KR" sz="2400" b="1" dirty="0">
+              <a:solidFill>
+                <a:schemeClr val="bg1"/>
+              </a:solidFill>
+              <a:latin typeface="Arial" panose="020B0604020202020204" pitchFamily="34" charset="0"/>
+              <a:cs typeface="Arial" panose="020B0604020202020204" pitchFamily="34" charset="0"/>
+            </a:endParaRPr>
+          </a:p>
+        </p:txBody>
+      </p:sp>
+      <p:sp>
+        <p:nvSpPr>
+          <p:cNvPr id="10" name="TextBox 9"/>
+          <p:cNvSpPr txBox="1"/>
+          <p:nvPr/>
+        </p:nvSpPr>
+        <p:spPr>
+          <a:xfrm>
+            <a:off x="4389711" y="1505541"/>
+            <a:ext cx="1162594" cy="830997"/>
+          </a:xfrm>
+          <a:prstGeom prst="rect">
+            <a:avLst/>
+          </a:prstGeom>
+          <a:noFill/>
+        </p:spPr>
+        <p:txBody>
+          <a:bodyPr wrap="square" rtlCol="0">
+            <a:spAutoFit/>
+          </a:bodyPr>
+          <a:lstStyle/>
+          <a:p>
+            <a:pPr algn="ctr"/>
+            <a:r>
+              <a:rPr lang="en-US" altLang="ko-KR" sz="2400" b="1" dirty="0" smtClean="0">
+                <a:solidFill>
+                  <a:schemeClr val="bg1"/>
+                </a:solidFill>
+                <a:latin typeface="Arial" panose="020B0604020202020204" pitchFamily="34" charset="0"/>
+                <a:cs typeface="Arial" panose="020B0604020202020204" pitchFamily="34" charset="0"/>
+              </a:rPr>
+              <a:t>Expert</a:t>
+            </a:r>
+          </a:p>
+          <a:p>
+            <a:pPr algn="ctr"/>
+            <a:r>
+              <a:rPr lang="en-US" altLang="ko-KR" sz="2400" b="1" dirty="0" smtClean="0">
+                <a:solidFill>
+                  <a:schemeClr val="bg1"/>
+                </a:solidFill>
+              </a:rPr>
+              <a:t>32 EA</a:t>
+            </a:r>
+            <a:endParaRPr lang="en-US" altLang="ko-KR" sz="2400" b="1" dirty="0">
+              <a:solidFill>
+                <a:schemeClr val="bg1"/>
+              </a:solidFill>
+            </a:endParaRPr>
+          </a:p>
+        </p:txBody>
+      </p:sp>
+      <p:sp>
+        <p:nvSpPr>
+          <p:cNvPr id="11" name="TextBox 10"/>
+          <p:cNvSpPr txBox="1"/>
+          <p:nvPr/>
+        </p:nvSpPr>
+        <p:spPr>
+          <a:xfrm>
+            <a:off x="5938061" y="3062409"/>
+            <a:ext cx="1547412" cy="830997"/>
+          </a:xfrm>
+          <a:prstGeom prst="rect">
+            <a:avLst/>
+          </a:prstGeom>
+          <a:noFill/>
+        </p:spPr>
+        <p:txBody>
+          <a:bodyPr wrap="square" rtlCol="0">
+            <a:spAutoFit/>
+          </a:bodyPr>
+          <a:lstStyle/>
+          <a:p>
+            <a:pPr algn="ctr"/>
+            <a:r>
+              <a:rPr lang="en-US" altLang="ko-KR" sz="2400" b="1" dirty="0" smtClean="0">
+                <a:solidFill>
+                  <a:schemeClr val="bg1"/>
+                </a:solidFill>
+                <a:latin typeface="Arial" panose="020B0604020202020204" pitchFamily="34" charset="0"/>
+                <a:cs typeface="Arial" panose="020B0604020202020204" pitchFamily="34" charset="0"/>
+              </a:rPr>
+              <a:t>Slapstick</a:t>
+            </a:r>
+          </a:p>
+          <a:p>
+            <a:pPr algn="ctr"/>
+            <a:r>
+              <a:rPr lang="en-US" altLang="ko-KR" sz="2400" b="1" dirty="0" smtClean="0">
+                <a:solidFill>
+                  <a:schemeClr val="bg1"/>
+                </a:solidFill>
+                <a:latin typeface="Arial" panose="020B0604020202020204" pitchFamily="34" charset="0"/>
+                <a:cs typeface="Arial" panose="020B0604020202020204" pitchFamily="34" charset="0"/>
+              </a:rPr>
+              <a:t>17 EA</a:t>
+            </a:r>
+            <a:endParaRPr lang="en-US" altLang="ko-KR" sz="2400" b="1" dirty="0">
+              <a:solidFill>
+                <a:schemeClr val="bg1"/>
+              </a:solidFill>
+              <a:latin typeface="Arial" panose="020B0604020202020204" pitchFamily="34" charset="0"/>
+              <a:cs typeface="Arial" panose="020B0604020202020204" pitchFamily="34" charset="0"/>
+            </a:endParaRPr>
+          </a:p>
+        </p:txBody>
+      </p:sp>
+      <p:sp>
+        <p:nvSpPr>
+          <p:cNvPr id="12" name="TextBox 11"/>
+          <p:cNvSpPr txBox="1"/>
+          <p:nvPr/>
+        </p:nvSpPr>
+        <p:spPr>
+          <a:xfrm>
+            <a:off x="5754820" y="692107"/>
+            <a:ext cx="1162594" cy="830997"/>
+          </a:xfrm>
+          <a:prstGeom prst="rect">
+            <a:avLst/>
+          </a:prstGeom>
+          <a:noFill/>
+        </p:spPr>
+        <p:txBody>
+          <a:bodyPr wrap="square" rtlCol="0">
+            <a:spAutoFit/>
+          </a:bodyPr>
+          <a:lstStyle/>
+          <a:p>
+            <a:pPr algn="ctr"/>
+            <a:r>
+              <a:rPr lang="en-US" altLang="ko-KR" sz="2400" b="1" dirty="0" smtClean="0">
+                <a:solidFill>
+                  <a:schemeClr val="bg1"/>
+                </a:solidFill>
+                <a:latin typeface="Arial" panose="020B0604020202020204" pitchFamily="34" charset="0"/>
+                <a:cs typeface="Arial" panose="020B0604020202020204" pitchFamily="34" charset="0"/>
+              </a:rPr>
+              <a:t>Circus</a:t>
+            </a:r>
+          </a:p>
+          <a:p>
+            <a:pPr algn="ctr"/>
+            <a:r>
+              <a:rPr lang="en-US" altLang="ko-KR" sz="2400" b="1" dirty="0" smtClean="0">
+                <a:solidFill>
+                  <a:schemeClr val="bg1"/>
+                </a:solidFill>
+                <a:latin typeface="Arial" panose="020B0604020202020204" pitchFamily="34" charset="0"/>
+                <a:cs typeface="Arial" panose="020B0604020202020204" pitchFamily="34" charset="0"/>
+              </a:rPr>
+              <a:t>41 EA</a:t>
+            </a:r>
+            <a:endParaRPr lang="en-US" altLang="ko-KR" sz="2400" b="1" dirty="0">
+              <a:solidFill>
+                <a:schemeClr val="bg1"/>
+              </a:solidFill>
+              <a:latin typeface="Arial" panose="020B0604020202020204" pitchFamily="34" charset="0"/>
+              <a:cs typeface="Arial" panose="020B0604020202020204" pitchFamily="34" charset="0"/>
+            </a:endParaRPr>
+          </a:p>
+        </p:txBody>
+      </p:sp>
+      <p:cxnSp>
+        <p:nvCxnSpPr>
+          <p:cNvPr id="13" name="직선 화살표 연결선 12"/>
+          <p:cNvCxnSpPr/>
+          <p:nvPr/>
+        </p:nvCxnSpPr>
+        <p:spPr>
+          <a:xfrm flipH="1" flipV="1">
+            <a:off x="3910041" y="3648403"/>
+            <a:ext cx="1073150" cy="2252123"/>
+          </a:xfrm>
+          <a:prstGeom prst="straightConnector1">
+            <a:avLst/>
+          </a:prstGeom>
+          <a:ln w="38100">
+            <a:solidFill>
+              <a:schemeClr val="tx1"/>
+            </a:solidFill>
+            <a:tailEnd type="arrow"/>
+          </a:ln>
+        </p:spPr>
+        <p:style>
+          <a:lnRef idx="1">
+            <a:schemeClr val="accent1"/>
+          </a:lnRef>
+          <a:fillRef idx="0">
+            <a:schemeClr val="accent1"/>
+          </a:fillRef>
+          <a:effectRef idx="0">
+            <a:schemeClr val="accent1"/>
+          </a:effectRef>
+          <a:fontRef idx="minor">
+            <a:schemeClr val="tx1"/>
+          </a:fontRef>
+        </p:style>
+      </p:cxnSp>
+      <p:cxnSp>
+        <p:nvCxnSpPr>
+          <p:cNvPr id="14" name="직선 화살표 연결선 13"/>
+          <p:cNvCxnSpPr/>
+          <p:nvPr/>
+        </p:nvCxnSpPr>
+        <p:spPr>
+          <a:xfrm flipV="1">
+            <a:off x="7921106" y="964599"/>
+            <a:ext cx="0" cy="4173376"/>
+          </a:xfrm>
+          <a:prstGeom prst="straightConnector1">
+            <a:avLst/>
+          </a:prstGeom>
+          <a:ln w="38100">
+            <a:solidFill>
+              <a:schemeClr val="tx1"/>
+            </a:solidFill>
+            <a:tailEnd type="arrow"/>
+          </a:ln>
+        </p:spPr>
+        <p:style>
+          <a:lnRef idx="1">
+            <a:schemeClr val="accent1"/>
+          </a:lnRef>
+          <a:fillRef idx="0">
+            <a:schemeClr val="accent1"/>
+          </a:fillRef>
+          <a:effectRef idx="0">
+            <a:schemeClr val="accent1"/>
+          </a:effectRef>
+          <a:fontRef idx="minor">
+            <a:schemeClr val="tx1"/>
+          </a:fontRef>
+        </p:style>
+      </p:cxnSp>
+      <p:cxnSp>
+        <p:nvCxnSpPr>
+          <p:cNvPr id="15" name="직선 화살표 연결선 14"/>
+          <p:cNvCxnSpPr/>
+          <p:nvPr/>
+        </p:nvCxnSpPr>
+        <p:spPr>
+          <a:xfrm flipV="1">
+            <a:off x="4975571" y="5256858"/>
+            <a:ext cx="3070225" cy="642398"/>
+          </a:xfrm>
+          <a:prstGeom prst="straightConnector1">
+            <a:avLst/>
+          </a:prstGeom>
+          <a:ln w="38100">
+            <a:solidFill>
+              <a:schemeClr val="tx1"/>
+            </a:solidFill>
+            <a:tailEnd type="arrow"/>
+          </a:ln>
+        </p:spPr>
+        <p:style>
+          <a:lnRef idx="1">
+            <a:schemeClr val="accent1"/>
+          </a:lnRef>
+          <a:fillRef idx="0">
+            <a:schemeClr val="accent1"/>
+          </a:fillRef>
+          <a:effectRef idx="0">
+            <a:schemeClr val="accent1"/>
+          </a:effectRef>
+          <a:fontRef idx="minor">
+            <a:schemeClr val="tx1"/>
+          </a:fontRef>
+        </p:style>
+      </p:cxnSp>
+      <p:sp>
+        <p:nvSpPr>
+          <p:cNvPr id="16" name="TextBox 15"/>
+          <p:cNvSpPr txBox="1"/>
+          <p:nvPr/>
+        </p:nvSpPr>
+        <p:spPr>
+          <a:xfrm rot="20893224">
+            <a:off x="5513366" y="5590489"/>
+            <a:ext cx="2407870" cy="461665"/>
+          </a:xfrm>
+          <a:prstGeom prst="rect">
+            <a:avLst/>
+          </a:prstGeom>
+          <a:noFill/>
+        </p:spPr>
+        <p:txBody>
+          <a:bodyPr wrap="square" rtlCol="0">
+            <a:spAutoFit/>
+          </a:bodyPr>
+          <a:lstStyle/>
+          <a:p>
+            <a:pPr algn="ctr"/>
+            <a:r>
+              <a:rPr lang="en-US" altLang="ko-KR" sz="2400" b="1" dirty="0" smtClean="0">
+                <a:latin typeface="Times New Roman" panose="02020603050405020304" pitchFamily="18" charset="0"/>
+                <a:cs typeface="Times New Roman" panose="02020603050405020304" pitchFamily="18" charset="0"/>
+              </a:rPr>
+              <a:t>Amusement</a:t>
+            </a:r>
+            <a:endParaRPr lang="en-US" altLang="ko-KR" sz="2400" b="1" dirty="0" smtClean="0">
+              <a:latin typeface="Times New Roman" panose="02020603050405020304" pitchFamily="18" charset="0"/>
+              <a:cs typeface="Times New Roman" panose="02020603050405020304" pitchFamily="18" charset="0"/>
+            </a:endParaRPr>
+          </a:p>
+        </p:txBody>
+      </p:sp>
+      <p:sp>
+        <p:nvSpPr>
+          <p:cNvPr id="17" name="TextBox 16"/>
+          <p:cNvSpPr txBox="1"/>
+          <p:nvPr/>
+        </p:nvSpPr>
+        <p:spPr>
+          <a:xfrm rot="3872032">
+            <a:off x="2984785" y="4764682"/>
+            <a:ext cx="2517831" cy="461665"/>
+          </a:xfrm>
+          <a:prstGeom prst="rect">
+            <a:avLst/>
+          </a:prstGeom>
+          <a:noFill/>
+        </p:spPr>
+        <p:txBody>
+          <a:bodyPr wrap="square" rtlCol="0">
+            <a:spAutoFit/>
+          </a:bodyPr>
+          <a:lstStyle/>
+          <a:p>
+            <a:pPr algn="ctr"/>
+            <a:r>
+              <a:rPr lang="en-US" altLang="ko-KR" sz="2400" b="1" dirty="0" smtClean="0">
+                <a:latin typeface="Times New Roman" panose="02020603050405020304" pitchFamily="18" charset="0"/>
+                <a:cs typeface="Times New Roman" panose="02020603050405020304" pitchFamily="18" charset="0"/>
+              </a:rPr>
+              <a:t>Expertise</a:t>
+            </a:r>
+            <a:endParaRPr lang="en-US" altLang="ko-KR" sz="2400" b="1" dirty="0" smtClean="0">
+              <a:latin typeface="Times New Roman" panose="02020603050405020304" pitchFamily="18" charset="0"/>
+              <a:cs typeface="Times New Roman" panose="02020603050405020304" pitchFamily="18" charset="0"/>
+            </a:endParaRPr>
+          </a:p>
+        </p:txBody>
+      </p:sp>
+      <p:sp>
+        <p:nvSpPr>
+          <p:cNvPr id="18" name="TextBox 17"/>
+          <p:cNvSpPr txBox="1"/>
+          <p:nvPr/>
+        </p:nvSpPr>
+        <p:spPr>
+          <a:xfrm rot="5400000">
+            <a:off x="6759002" y="3016656"/>
+            <a:ext cx="3035252" cy="461665"/>
+          </a:xfrm>
+          <a:prstGeom prst="rect">
+            <a:avLst/>
+          </a:prstGeom>
+          <a:noFill/>
+        </p:spPr>
+        <p:txBody>
+          <a:bodyPr wrap="square" rtlCol="0">
+            <a:spAutoFit/>
+          </a:bodyPr>
+          <a:lstStyle/>
+          <a:p>
+            <a:pPr algn="ctr"/>
+            <a:r>
+              <a:rPr lang="en-US" altLang="ko-KR" sz="2400" b="1" dirty="0" smtClean="0">
+                <a:latin typeface="Times New Roman" panose="02020603050405020304" pitchFamily="18" charset="0"/>
+                <a:cs typeface="Times New Roman" panose="02020603050405020304" pitchFamily="18" charset="0"/>
+              </a:rPr>
+              <a:t>Number </a:t>
+            </a:r>
+            <a:r>
+              <a:rPr lang="en-US" altLang="ko-KR" sz="2400" b="1" dirty="0" smtClean="0">
+                <a:latin typeface="Times New Roman" panose="02020603050405020304" pitchFamily="18" charset="0"/>
+                <a:cs typeface="Times New Roman" panose="02020603050405020304" pitchFamily="18" charset="0"/>
+              </a:rPr>
+              <a:t>of video</a:t>
+            </a:r>
+            <a:endParaRPr lang="en-US" altLang="ko-KR" sz="2400" b="1" dirty="0" smtClean="0">
+              <a:latin typeface="Times New Roman" panose="02020603050405020304" pitchFamily="18" charset="0"/>
+              <a:cs typeface="Times New Roman" panose="02020603050405020304" pitchFamily="18" charset="0"/>
+            </a:endParaRPr>
+          </a:p>
+        </p:txBody>
+      </p:sp>
+      <p:sp>
+        <p:nvSpPr>
+          <p:cNvPr id="19" name="타원 18"/>
+          <p:cNvSpPr/>
+          <p:nvPr/>
+        </p:nvSpPr>
+        <p:spPr>
+          <a:xfrm>
+            <a:off x="4950372" y="5868598"/>
+            <a:ext cx="84980" cy="84980"/>
+          </a:xfrm>
+          <a:prstGeom prst="ellipse">
+            <a:avLst/>
+          </a:prstGeom>
+          <a:solidFill>
+            <a:schemeClr val="tx1"/>
+          </a:solidFill>
+          <a:ln>
+            <a:solidFill>
+              <a:schemeClr val="tx1"/>
+            </a:solidFill>
+          </a:ln>
+        </p:spPr>
+        <p:style>
+          <a:lnRef idx="2">
+            <a:schemeClr val="accent1">
+              <a:shade val="50000"/>
+            </a:schemeClr>
+          </a:lnRef>
+          <a:fillRef idx="1">
+            <a:schemeClr val="accent1"/>
+          </a:fillRef>
+          <a:effectRef idx="0">
+            <a:schemeClr val="accent1"/>
+          </a:effectRef>
+          <a:fontRef idx="minor">
+            <a:schemeClr val="lt1"/>
+          </a:fontRef>
+        </p:style>
+        <p:txBody>
+          <a:bodyPr rtlCol="0" anchor="ctr"/>
+          <a:lstStyle/>
+          <a:p>
+            <a:pPr algn="ctr"/>
+            <a:endParaRPr lang="ko-KR" altLang="en-US"/>
+          </a:p>
+        </p:txBody>
+      </p:sp>
+      <p:sp>
+        <p:nvSpPr>
+          <p:cNvPr id="2" name="TextBox 1"/>
+          <p:cNvSpPr txBox="1"/>
+          <p:nvPr/>
+        </p:nvSpPr>
+        <p:spPr>
+          <a:xfrm>
+            <a:off x="391886" y="274320"/>
+            <a:ext cx="404948" cy="369332"/>
+          </a:xfrm>
+          <a:prstGeom prst="rect">
+            <a:avLst/>
+          </a:prstGeom>
+          <a:noFill/>
+        </p:spPr>
+        <p:txBody>
+          <a:bodyPr wrap="square" rtlCol="0">
+            <a:spAutoFit/>
+          </a:bodyPr>
+          <a:lstStyle/>
+          <a:p>
+            <a:r>
+              <a:rPr lang="ko-KR" altLang="en-US" dirty="0" err="1" smtClean="0"/>
+              <a:t>ㄱ</a:t>
+            </a:r>
+            <a:endParaRPr lang="en-US" altLang="ko-KR" dirty="0" smtClean="0"/>
+          </a:p>
+        </p:txBody>
+      </p:sp>
+    </p:spTree>
+    <p:extLst>
+      <p:ext uri="{BB962C8B-B14F-4D97-AF65-F5344CB8AC3E}">
+        <p14:creationId xmlns:p14="http://schemas.microsoft.com/office/powerpoint/2010/main" val="2370528337"/>
+      </p:ext>
+    </p:extLst>
+  </p:cSld>
+  <p:clrMapOvr>
+    <a:masterClrMapping/>
+  </p:clrMapOvr>
+</p:sld>
+</file>
+
+<file path=ppt/slides/slide8.xml><?xml version="1.0" encoding="utf-8"?>
 <p:sld xmlns:a="http://schemas.openxmlformats.org/drawingml/2006/main" xmlns:r="http://schemas.openxmlformats.org/officeDocument/2006/relationships" xmlns:p="http://schemas.openxmlformats.org/presentationml/2006/main">
   <p:cSld>
     <p:spTree>
@@ -10326,15 +12326,7 @@
                   <a:schemeClr val="bg1"/>
                 </a:solidFill>
               </a:rPr>
-              <a:t>95 </a:t>
-            </a:r>
-            <a:r>
-              <a:rPr lang="en-US" altLang="ko-KR" sz="2800" b="1" dirty="0" smtClean="0">
-                <a:solidFill>
-                  <a:schemeClr val="bg1"/>
-                </a:solidFill>
-              </a:rPr>
-              <a:t>K</a:t>
+              <a:t>95 K</a:t>
             </a:r>
           </a:p>
         </p:txBody>
@@ -10383,17 +12375,7 @@
                 <a:latin typeface="Arial" panose="020B0604020202020204" pitchFamily="34" charset="0"/>
                 <a:cs typeface="Arial" panose="020B0604020202020204" pitchFamily="34" charset="0"/>
               </a:rPr>
-              <a:t>131 </a:t>
-            </a:r>
-            <a:r>
-              <a:rPr lang="en-US" altLang="ko-KR" sz="2800" b="1" dirty="0" smtClean="0">
-                <a:solidFill>
-                  <a:schemeClr val="bg1"/>
-                </a:solidFill>
-                <a:latin typeface="Arial" panose="020B0604020202020204" pitchFamily="34" charset="0"/>
-                <a:cs typeface="Arial" panose="020B0604020202020204" pitchFamily="34" charset="0"/>
-              </a:rPr>
-              <a:t>K</a:t>
+              <a:t>131 K</a:t>
             </a:r>
           </a:p>
         </p:txBody>
@@ -10442,17 +12424,7 @@
                 <a:latin typeface="Arial" panose="020B0604020202020204" pitchFamily="34" charset="0"/>
                 <a:cs typeface="Arial" panose="020B0604020202020204" pitchFamily="34" charset="0"/>
               </a:rPr>
-              <a:t>143 </a:t>
-            </a:r>
-            <a:r>
-              <a:rPr lang="en-US" altLang="ko-KR" sz="2800" b="1" dirty="0" smtClean="0">
-                <a:solidFill>
-                  <a:schemeClr val="bg1"/>
-                </a:solidFill>
-                <a:latin typeface="Arial" panose="020B0604020202020204" pitchFamily="34" charset="0"/>
-                <a:cs typeface="Arial" panose="020B0604020202020204" pitchFamily="34" charset="0"/>
-              </a:rPr>
-              <a:t>K</a:t>
+              <a:t>143 K</a:t>
             </a:r>
           </a:p>
         </p:txBody>
@@ -10725,7 +12697,7 @@
 </p:sld>
 </file>
 
-<file path=ppt/slides/slide7.xml><?xml version="1.0" encoding="utf-8"?>
+<file path=ppt/slides/slide9.xml><?xml version="1.0" encoding="utf-8"?>
 <p:sld xmlns:a="http://schemas.openxmlformats.org/drawingml/2006/main" xmlns:r="http://schemas.openxmlformats.org/officeDocument/2006/relationships" xmlns:p="http://schemas.openxmlformats.org/presentationml/2006/main">
   <p:cSld>
     <p:spTree>
@@ -10902,8 +12874,12 @@
                 <a:latin typeface="Times New Roman" panose="02020603050405020304" pitchFamily="18" charset="0"/>
                 <a:cs typeface="Times New Roman" panose="02020603050405020304" pitchFamily="18" charset="0"/>
               </a:rPr>
-              <a:t>Entertainment</a:t>
-            </a:r>
+              <a:t>Amusement</a:t>
+            </a:r>
+            <a:endParaRPr lang="en-US" altLang="ko-KR" sz="2400" b="1" dirty="0" smtClean="0">
+              <a:latin typeface="Times New Roman" panose="02020603050405020304" pitchFamily="18" charset="0"/>
+              <a:cs typeface="Times New Roman" panose="02020603050405020304" pitchFamily="18" charset="0"/>
+            </a:endParaRPr>
           </a:p>
         </p:txBody>
       </p:sp>
@@ -10935,8 +12911,12 @@
                 <a:latin typeface="Times New Roman" panose="02020603050405020304" pitchFamily="18" charset="0"/>
                 <a:cs typeface="Times New Roman" panose="02020603050405020304" pitchFamily="18" charset="0"/>
               </a:rPr>
-              <a:t>Performance</a:t>
-            </a:r>
+              <a:t>Expertise</a:t>
+            </a:r>
+            <a:endParaRPr lang="en-US" altLang="ko-KR" sz="2400" b="1" dirty="0" smtClean="0">
+              <a:latin typeface="Times New Roman" panose="02020603050405020304" pitchFamily="18" charset="0"/>
+              <a:cs typeface="Times New Roman" panose="02020603050405020304" pitchFamily="18" charset="0"/>
+            </a:endParaRPr>
           </a:p>
         </p:txBody>
       </p:sp>
@@ -11241,1022 +13221,40 @@
           </a:p>
         </p:txBody>
       </p:sp>
+      <p:sp>
+        <p:nvSpPr>
+          <p:cNvPr id="14" name="TextBox 13"/>
+          <p:cNvSpPr txBox="1"/>
+          <p:nvPr/>
+        </p:nvSpPr>
+        <p:spPr>
+          <a:xfrm>
+            <a:off x="391886" y="274320"/>
+            <a:ext cx="404948" cy="369332"/>
+          </a:xfrm>
+          <a:prstGeom prst="rect">
+            <a:avLst/>
+          </a:prstGeom>
+          <a:noFill/>
+        </p:spPr>
+        <p:txBody>
+          <a:bodyPr wrap="square" rtlCol="0">
+            <a:spAutoFit/>
+          </a:bodyPr>
+          <a:lstStyle/>
+          <a:p>
+            <a:r>
+              <a:rPr lang="ko-KR" altLang="en-US" dirty="0" err="1" smtClean="0"/>
+              <a:t>ㄱ</a:t>
+            </a:r>
+            <a:endParaRPr lang="en-US" altLang="ko-KR" dirty="0" smtClean="0"/>
+          </a:p>
+        </p:txBody>
+      </p:sp>
     </p:spTree>
     <p:extLst>
       <p:ext uri="{BB962C8B-B14F-4D97-AF65-F5344CB8AC3E}">
         <p14:creationId xmlns:p14="http://schemas.microsoft.com/office/powerpoint/2010/main" val="109098136"/>
-      </p:ext>
-    </p:extLst>
-  </p:cSld>
-  <p:clrMapOvr>
-    <a:masterClrMapping/>
-  </p:clrMapOvr>
-</p:sld>
-</file>
-
-<file path=ppt/slides/slide8.xml><?xml version="1.0" encoding="utf-8"?>
-<p:sld xmlns:a="http://schemas.openxmlformats.org/drawingml/2006/main" xmlns:r="http://schemas.openxmlformats.org/officeDocument/2006/relationships" xmlns:p="http://schemas.openxmlformats.org/presentationml/2006/main">
-  <p:cSld>
-    <p:spTree>
-      <p:nvGrpSpPr>
-        <p:cNvPr id="1" name=""/>
-        <p:cNvGrpSpPr/>
-        <p:nvPr/>
-      </p:nvGrpSpPr>
-      <p:grpSpPr>
-        <a:xfrm>
-          <a:off x="0" y="0"/>
-          <a:ext cx="0" cy="0"/>
-          <a:chOff x="0" y="0"/>
-          <a:chExt cx="0" cy="0"/>
-        </a:xfrm>
-      </p:grpSpPr>
-      <p:graphicFrame>
-        <p:nvGraphicFramePr>
-          <p:cNvPr id="7" name="차트 6"/>
-          <p:cNvGraphicFramePr/>
-          <p:nvPr>
-            <p:extLst>
-              <p:ext uri="{D42A27DB-BD31-4B8C-83A1-F6EECF244321}">
-                <p14:modId xmlns:p14="http://schemas.microsoft.com/office/powerpoint/2010/main" val="2060616242"/>
-              </p:ext>
-            </p:extLst>
-          </p:nvPr>
-        </p:nvGraphicFramePr>
-        <p:xfrm>
-          <a:off x="432074" y="136710"/>
-          <a:ext cx="9317425" cy="6638173"/>
-        </p:xfrm>
-        <a:graphic>
-          <a:graphicData uri="http://schemas.openxmlformats.org/drawingml/2006/chart">
-            <c:chart xmlns:c="http://schemas.openxmlformats.org/drawingml/2006/chart" xmlns:r="http://schemas.openxmlformats.org/officeDocument/2006/relationships" r:id="rId2"/>
-          </a:graphicData>
-        </a:graphic>
-      </p:graphicFrame>
-      <p:grpSp>
-        <p:nvGrpSpPr>
-          <p:cNvPr id="9" name="그룹 8"/>
-          <p:cNvGrpSpPr/>
-          <p:nvPr/>
-        </p:nvGrpSpPr>
-        <p:grpSpPr>
-          <a:xfrm>
-            <a:off x="8816393" y="2513549"/>
-            <a:ext cx="1853319" cy="1710770"/>
-            <a:chOff x="10633166" y="804526"/>
-            <a:chExt cx="1392425" cy="1062253"/>
-          </a:xfrm>
-        </p:grpSpPr>
-        <p:sp>
-          <p:nvSpPr>
-            <p:cNvPr id="10" name="직사각형 9"/>
-            <p:cNvSpPr/>
-            <p:nvPr/>
-          </p:nvSpPr>
-          <p:spPr>
-            <a:xfrm>
-              <a:off x="10633166" y="824159"/>
-              <a:ext cx="365760" cy="226841"/>
-            </a:xfrm>
-            <a:prstGeom prst="rect">
-              <a:avLst/>
-            </a:prstGeom>
-            <a:ln>
-              <a:noFill/>
-            </a:ln>
-          </p:spPr>
-          <p:style>
-            <a:lnRef idx="2">
-              <a:schemeClr val="accent1">
-                <a:shade val="50000"/>
-              </a:schemeClr>
-            </a:lnRef>
-            <a:fillRef idx="1">
-              <a:schemeClr val="accent1"/>
-            </a:fillRef>
-            <a:effectRef idx="0">
-              <a:schemeClr val="accent1"/>
-            </a:effectRef>
-            <a:fontRef idx="minor">
-              <a:schemeClr val="lt1"/>
-            </a:fontRef>
-          </p:style>
-          <p:txBody>
-            <a:bodyPr rtlCol="0" anchor="ctr"/>
-            <a:lstStyle/>
-            <a:p>
-              <a:pPr algn="ctr"/>
-              <a:endParaRPr lang="ko-KR" altLang="en-US" sz="3600">
-                <a:solidFill>
-                  <a:schemeClr val="accent1"/>
-                </a:solidFill>
-              </a:endParaRPr>
-            </a:p>
-          </p:txBody>
-        </p:sp>
-        <p:sp>
-          <p:nvSpPr>
-            <p:cNvPr id="11" name="직사각형 10"/>
-            <p:cNvSpPr/>
-            <p:nvPr/>
-          </p:nvSpPr>
-          <p:spPr>
-            <a:xfrm>
-              <a:off x="10633166" y="1093725"/>
-              <a:ext cx="365760" cy="226841"/>
-            </a:xfrm>
-            <a:prstGeom prst="rect">
-              <a:avLst/>
-            </a:prstGeom>
-            <a:solidFill>
-              <a:srgbClr val="C00000"/>
-            </a:solidFill>
-            <a:ln>
-              <a:noFill/>
-            </a:ln>
-          </p:spPr>
-          <p:style>
-            <a:lnRef idx="2">
-              <a:schemeClr val="accent1">
-                <a:shade val="50000"/>
-              </a:schemeClr>
-            </a:lnRef>
-            <a:fillRef idx="1">
-              <a:schemeClr val="accent1"/>
-            </a:fillRef>
-            <a:effectRef idx="0">
-              <a:schemeClr val="accent1"/>
-            </a:effectRef>
-            <a:fontRef idx="minor">
-              <a:schemeClr val="lt1"/>
-            </a:fontRef>
-          </p:style>
-          <p:txBody>
-            <a:bodyPr rtlCol="0" anchor="ctr"/>
-            <a:lstStyle/>
-            <a:p>
-              <a:pPr algn="ctr"/>
-              <a:endParaRPr lang="ko-KR" altLang="en-US" sz="3600">
-                <a:solidFill>
-                  <a:schemeClr val="accent1"/>
-                </a:solidFill>
-              </a:endParaRPr>
-            </a:p>
-          </p:txBody>
-        </p:sp>
-        <p:sp>
-          <p:nvSpPr>
-            <p:cNvPr id="12" name="직사각형 11"/>
-            <p:cNvSpPr/>
-            <p:nvPr/>
-          </p:nvSpPr>
-          <p:spPr>
-            <a:xfrm>
-              <a:off x="10633166" y="1363291"/>
-              <a:ext cx="365760" cy="226841"/>
-            </a:xfrm>
-            <a:prstGeom prst="rect">
-              <a:avLst/>
-            </a:prstGeom>
-            <a:solidFill>
-              <a:srgbClr val="00B050"/>
-            </a:solidFill>
-            <a:ln>
-              <a:noFill/>
-            </a:ln>
-          </p:spPr>
-          <p:style>
-            <a:lnRef idx="2">
-              <a:schemeClr val="accent1">
-                <a:shade val="50000"/>
-              </a:schemeClr>
-            </a:lnRef>
-            <a:fillRef idx="1">
-              <a:schemeClr val="accent1"/>
-            </a:fillRef>
-            <a:effectRef idx="0">
-              <a:schemeClr val="accent1"/>
-            </a:effectRef>
-            <a:fontRef idx="minor">
-              <a:schemeClr val="lt1"/>
-            </a:fontRef>
-          </p:style>
-          <p:txBody>
-            <a:bodyPr rtlCol="0" anchor="ctr"/>
-            <a:lstStyle/>
-            <a:p>
-              <a:pPr algn="ctr"/>
-              <a:endParaRPr lang="ko-KR" altLang="en-US" sz="3600">
-                <a:solidFill>
-                  <a:schemeClr val="accent1"/>
-                </a:solidFill>
-              </a:endParaRPr>
-            </a:p>
-          </p:txBody>
-        </p:sp>
-        <p:sp>
-          <p:nvSpPr>
-            <p:cNvPr id="13" name="직사각형 12"/>
-            <p:cNvSpPr/>
-            <p:nvPr/>
-          </p:nvSpPr>
-          <p:spPr>
-            <a:xfrm>
-              <a:off x="10633166" y="1632857"/>
-              <a:ext cx="365760" cy="226841"/>
-            </a:xfrm>
-            <a:prstGeom prst="rect">
-              <a:avLst/>
-            </a:prstGeom>
-            <a:solidFill>
-              <a:srgbClr val="FFC000"/>
-            </a:solidFill>
-            <a:ln>
-              <a:noFill/>
-            </a:ln>
-          </p:spPr>
-          <p:style>
-            <a:lnRef idx="2">
-              <a:schemeClr val="accent1">
-                <a:shade val="50000"/>
-              </a:schemeClr>
-            </a:lnRef>
-            <a:fillRef idx="1">
-              <a:schemeClr val="accent1"/>
-            </a:fillRef>
-            <a:effectRef idx="0">
-              <a:schemeClr val="accent1"/>
-            </a:effectRef>
-            <a:fontRef idx="minor">
-              <a:schemeClr val="lt1"/>
-            </a:fontRef>
-          </p:style>
-          <p:txBody>
-            <a:bodyPr rtlCol="0" anchor="ctr"/>
-            <a:lstStyle/>
-            <a:p>
-              <a:pPr algn="ctr"/>
-              <a:endParaRPr lang="ko-KR" altLang="en-US" sz="3600">
-                <a:solidFill>
-                  <a:schemeClr val="accent1"/>
-                </a:solidFill>
-              </a:endParaRPr>
-            </a:p>
-          </p:txBody>
-        </p:sp>
-        <p:sp>
-          <p:nvSpPr>
-            <p:cNvPr id="14" name="TextBox 13"/>
-            <p:cNvSpPr txBox="1"/>
-            <p:nvPr/>
-          </p:nvSpPr>
-          <p:spPr>
-            <a:xfrm>
-              <a:off x="11011987" y="804526"/>
-              <a:ext cx="849086" cy="248437"/>
-            </a:xfrm>
-            <a:prstGeom prst="rect">
-              <a:avLst/>
-            </a:prstGeom>
-            <a:noFill/>
-          </p:spPr>
-          <p:txBody>
-            <a:bodyPr wrap="square" rtlCol="0">
-              <a:spAutoFit/>
-            </a:bodyPr>
-            <a:lstStyle/>
-            <a:p>
-              <a:r>
-                <a:rPr lang="en-US" altLang="ko-KR" sz="2000" dirty="0" smtClean="0"/>
-                <a:t>Novice</a:t>
-              </a:r>
-              <a:endParaRPr lang="ko-KR" altLang="en-US" sz="2000" dirty="0"/>
-            </a:p>
-          </p:txBody>
-        </p:sp>
-        <p:sp>
-          <p:nvSpPr>
-            <p:cNvPr id="15" name="TextBox 14"/>
-            <p:cNvSpPr txBox="1"/>
-            <p:nvPr/>
-          </p:nvSpPr>
-          <p:spPr>
-            <a:xfrm>
-              <a:off x="11011987" y="1071986"/>
-              <a:ext cx="1013604" cy="248437"/>
-            </a:xfrm>
-            <a:prstGeom prst="rect">
-              <a:avLst/>
-            </a:prstGeom>
-            <a:noFill/>
-          </p:spPr>
-          <p:txBody>
-            <a:bodyPr wrap="square" rtlCol="0">
-              <a:spAutoFit/>
-            </a:bodyPr>
-            <a:lstStyle/>
-            <a:p>
-              <a:r>
-                <a:rPr lang="en-US" altLang="ko-KR" sz="2000" dirty="0" smtClean="0"/>
-                <a:t>Slapstick</a:t>
-              </a:r>
-              <a:endParaRPr lang="ko-KR" altLang="en-US" sz="2000" dirty="0"/>
-            </a:p>
-          </p:txBody>
-        </p:sp>
-        <p:sp>
-          <p:nvSpPr>
-            <p:cNvPr id="16" name="TextBox 15"/>
-            <p:cNvSpPr txBox="1"/>
-            <p:nvPr/>
-          </p:nvSpPr>
-          <p:spPr>
-            <a:xfrm>
-              <a:off x="11011987" y="1337154"/>
-              <a:ext cx="849086" cy="248437"/>
-            </a:xfrm>
-            <a:prstGeom prst="rect">
-              <a:avLst/>
-            </a:prstGeom>
-            <a:noFill/>
-          </p:spPr>
-          <p:txBody>
-            <a:bodyPr wrap="square" rtlCol="0">
-              <a:spAutoFit/>
-            </a:bodyPr>
-            <a:lstStyle/>
-            <a:p>
-              <a:r>
-                <a:rPr lang="en-US" altLang="ko-KR" sz="2000" dirty="0" smtClean="0"/>
-                <a:t>Expert</a:t>
-              </a:r>
-              <a:endParaRPr lang="ko-KR" altLang="en-US" sz="2000" dirty="0"/>
-            </a:p>
-          </p:txBody>
-        </p:sp>
-        <p:sp>
-          <p:nvSpPr>
-            <p:cNvPr id="17" name="TextBox 16"/>
-            <p:cNvSpPr txBox="1"/>
-            <p:nvPr/>
-          </p:nvSpPr>
-          <p:spPr>
-            <a:xfrm>
-              <a:off x="11011987" y="1618342"/>
-              <a:ext cx="849086" cy="248437"/>
-            </a:xfrm>
-            <a:prstGeom prst="rect">
-              <a:avLst/>
-            </a:prstGeom>
-            <a:noFill/>
-          </p:spPr>
-          <p:txBody>
-            <a:bodyPr wrap="square" rtlCol="0">
-              <a:spAutoFit/>
-            </a:bodyPr>
-            <a:lstStyle/>
-            <a:p>
-              <a:r>
-                <a:rPr lang="en-US" altLang="ko-KR" sz="2000" dirty="0" smtClean="0"/>
-                <a:t>Circus</a:t>
-              </a:r>
-              <a:endParaRPr lang="ko-KR" altLang="en-US" sz="2000" dirty="0"/>
-            </a:p>
-          </p:txBody>
-        </p:sp>
-      </p:grpSp>
-      <p:sp>
-        <p:nvSpPr>
-          <p:cNvPr id="18" name="TextBox 17"/>
-          <p:cNvSpPr txBox="1"/>
-          <p:nvPr/>
-        </p:nvSpPr>
-        <p:spPr>
-          <a:xfrm>
-            <a:off x="4986663" y="493296"/>
-            <a:ext cx="723246" cy="856543"/>
-          </a:xfrm>
-          <a:prstGeom prst="rect">
-            <a:avLst/>
-          </a:prstGeom>
-          <a:noFill/>
-        </p:spPr>
-        <p:txBody>
-          <a:bodyPr wrap="square" rtlCol="0">
-            <a:spAutoFit/>
-          </a:bodyPr>
-          <a:lstStyle/>
-          <a:p>
-            <a:pPr algn="ctr"/>
-            <a:r>
-              <a:rPr lang="en-US" altLang="ko-KR" sz="4000" b="1" dirty="0" smtClean="0"/>
-              <a:t>3</a:t>
-            </a:r>
-            <a:endParaRPr lang="ko-KR" altLang="en-US" sz="4000" b="1" dirty="0"/>
-          </a:p>
-        </p:txBody>
-      </p:sp>
-      <p:sp>
-        <p:nvSpPr>
-          <p:cNvPr id="19" name="TextBox 18"/>
-          <p:cNvSpPr txBox="1"/>
-          <p:nvPr/>
-        </p:nvSpPr>
-        <p:spPr>
-          <a:xfrm>
-            <a:off x="6295284" y="1611828"/>
-            <a:ext cx="951475" cy="856543"/>
-          </a:xfrm>
-          <a:prstGeom prst="rect">
-            <a:avLst/>
-          </a:prstGeom>
-          <a:noFill/>
-        </p:spPr>
-        <p:txBody>
-          <a:bodyPr wrap="square" rtlCol="0">
-            <a:spAutoFit/>
-          </a:bodyPr>
-          <a:lstStyle/>
-          <a:p>
-            <a:pPr algn="ctr"/>
-            <a:r>
-              <a:rPr lang="en-US" altLang="ko-KR" sz="4000" b="1" dirty="0" smtClean="0"/>
-              <a:t>21</a:t>
-            </a:r>
-            <a:endParaRPr lang="ko-KR" altLang="en-US" sz="4000" b="1" dirty="0"/>
-          </a:p>
-        </p:txBody>
-      </p:sp>
-      <p:sp>
-        <p:nvSpPr>
-          <p:cNvPr id="20" name="TextBox 19"/>
-          <p:cNvSpPr txBox="1"/>
-          <p:nvPr/>
-        </p:nvSpPr>
-        <p:spPr>
-          <a:xfrm>
-            <a:off x="5162140" y="4953566"/>
-            <a:ext cx="1133144" cy="856543"/>
-          </a:xfrm>
-          <a:prstGeom prst="rect">
-            <a:avLst/>
-          </a:prstGeom>
-          <a:noFill/>
-        </p:spPr>
-        <p:txBody>
-          <a:bodyPr wrap="square" rtlCol="0">
-            <a:spAutoFit/>
-          </a:bodyPr>
-          <a:lstStyle/>
-          <a:p>
-            <a:pPr algn="ctr"/>
-            <a:r>
-              <a:rPr lang="en-US" altLang="ko-KR" sz="4000" b="1" dirty="0" smtClean="0"/>
-              <a:t>40</a:t>
-            </a:r>
-            <a:endParaRPr lang="ko-KR" altLang="en-US" sz="4000" b="1" dirty="0"/>
-          </a:p>
-        </p:txBody>
-      </p:sp>
-      <p:sp>
-        <p:nvSpPr>
-          <p:cNvPr id="21" name="TextBox 20"/>
-          <p:cNvSpPr txBox="1"/>
-          <p:nvPr/>
-        </p:nvSpPr>
-        <p:spPr>
-          <a:xfrm>
-            <a:off x="2881010" y="2015216"/>
-            <a:ext cx="1103763" cy="856543"/>
-          </a:xfrm>
-          <a:prstGeom prst="rect">
-            <a:avLst/>
-          </a:prstGeom>
-          <a:noFill/>
-        </p:spPr>
-        <p:txBody>
-          <a:bodyPr wrap="square" rtlCol="0">
-            <a:spAutoFit/>
-          </a:bodyPr>
-          <a:lstStyle/>
-          <a:p>
-            <a:pPr algn="ctr"/>
-            <a:r>
-              <a:rPr lang="en-US" altLang="ko-KR" sz="4000" b="1" dirty="0" smtClean="0"/>
-              <a:t>33</a:t>
-            </a:r>
-            <a:endParaRPr lang="ko-KR" altLang="en-US" sz="4000" b="1" dirty="0"/>
-          </a:p>
-        </p:txBody>
-      </p:sp>
-    </p:spTree>
-    <p:extLst>
-      <p:ext uri="{BB962C8B-B14F-4D97-AF65-F5344CB8AC3E}">
-        <p14:creationId xmlns:p14="http://schemas.microsoft.com/office/powerpoint/2010/main" val="328976440"/>
-      </p:ext>
-    </p:extLst>
-  </p:cSld>
-  <p:clrMapOvr>
-    <a:masterClrMapping/>
-  </p:clrMapOvr>
-</p:sld>
-</file>
-
-<file path=ppt/slides/slide9.xml><?xml version="1.0" encoding="utf-8"?>
-<p:sld xmlns:a="http://schemas.openxmlformats.org/drawingml/2006/main" xmlns:r="http://schemas.openxmlformats.org/officeDocument/2006/relationships" xmlns:p="http://schemas.openxmlformats.org/presentationml/2006/main">
-  <p:cSld>
-    <p:spTree>
-      <p:nvGrpSpPr>
-        <p:cNvPr id="1" name=""/>
-        <p:cNvGrpSpPr/>
-        <p:nvPr/>
-      </p:nvGrpSpPr>
-      <p:grpSpPr>
-        <a:xfrm>
-          <a:off x="0" y="0"/>
-          <a:ext cx="0" cy="0"/>
-          <a:chOff x="0" y="0"/>
-          <a:chExt cx="0" cy="0"/>
-        </a:xfrm>
-      </p:grpSpPr>
-      <p:grpSp>
-        <p:nvGrpSpPr>
-          <p:cNvPr id="9" name="그룹 8"/>
-          <p:cNvGrpSpPr/>
-          <p:nvPr/>
-        </p:nvGrpSpPr>
-        <p:grpSpPr>
-          <a:xfrm>
-            <a:off x="8816393" y="2513549"/>
-            <a:ext cx="1853319" cy="1710770"/>
-            <a:chOff x="10633166" y="804526"/>
-            <a:chExt cx="1392425" cy="1062253"/>
-          </a:xfrm>
-        </p:grpSpPr>
-        <p:sp>
-          <p:nvSpPr>
-            <p:cNvPr id="10" name="직사각형 9"/>
-            <p:cNvSpPr/>
-            <p:nvPr/>
-          </p:nvSpPr>
-          <p:spPr>
-            <a:xfrm>
-              <a:off x="10633166" y="824159"/>
-              <a:ext cx="365760" cy="226841"/>
-            </a:xfrm>
-            <a:prstGeom prst="rect">
-              <a:avLst/>
-            </a:prstGeom>
-            <a:ln>
-              <a:noFill/>
-            </a:ln>
-          </p:spPr>
-          <p:style>
-            <a:lnRef idx="2">
-              <a:schemeClr val="accent1">
-                <a:shade val="50000"/>
-              </a:schemeClr>
-            </a:lnRef>
-            <a:fillRef idx="1">
-              <a:schemeClr val="accent1"/>
-            </a:fillRef>
-            <a:effectRef idx="0">
-              <a:schemeClr val="accent1"/>
-            </a:effectRef>
-            <a:fontRef idx="minor">
-              <a:schemeClr val="lt1"/>
-            </a:fontRef>
-          </p:style>
-          <p:txBody>
-            <a:bodyPr rtlCol="0" anchor="ctr"/>
-            <a:lstStyle/>
-            <a:p>
-              <a:pPr algn="ctr"/>
-              <a:endParaRPr lang="ko-KR" altLang="en-US" sz="3600">
-                <a:solidFill>
-                  <a:schemeClr val="accent1"/>
-                </a:solidFill>
-              </a:endParaRPr>
-            </a:p>
-          </p:txBody>
-        </p:sp>
-        <p:sp>
-          <p:nvSpPr>
-            <p:cNvPr id="11" name="직사각형 10"/>
-            <p:cNvSpPr/>
-            <p:nvPr/>
-          </p:nvSpPr>
-          <p:spPr>
-            <a:xfrm>
-              <a:off x="10633166" y="1093725"/>
-              <a:ext cx="365760" cy="226841"/>
-            </a:xfrm>
-            <a:prstGeom prst="rect">
-              <a:avLst/>
-            </a:prstGeom>
-            <a:solidFill>
-              <a:srgbClr val="C00000"/>
-            </a:solidFill>
-            <a:ln>
-              <a:noFill/>
-            </a:ln>
-          </p:spPr>
-          <p:style>
-            <a:lnRef idx="2">
-              <a:schemeClr val="accent1">
-                <a:shade val="50000"/>
-              </a:schemeClr>
-            </a:lnRef>
-            <a:fillRef idx="1">
-              <a:schemeClr val="accent1"/>
-            </a:fillRef>
-            <a:effectRef idx="0">
-              <a:schemeClr val="accent1"/>
-            </a:effectRef>
-            <a:fontRef idx="minor">
-              <a:schemeClr val="lt1"/>
-            </a:fontRef>
-          </p:style>
-          <p:txBody>
-            <a:bodyPr rtlCol="0" anchor="ctr"/>
-            <a:lstStyle/>
-            <a:p>
-              <a:pPr algn="ctr"/>
-              <a:endParaRPr lang="ko-KR" altLang="en-US" sz="3600">
-                <a:solidFill>
-                  <a:schemeClr val="accent1"/>
-                </a:solidFill>
-              </a:endParaRPr>
-            </a:p>
-          </p:txBody>
-        </p:sp>
-        <p:sp>
-          <p:nvSpPr>
-            <p:cNvPr id="12" name="직사각형 11"/>
-            <p:cNvSpPr/>
-            <p:nvPr/>
-          </p:nvSpPr>
-          <p:spPr>
-            <a:xfrm>
-              <a:off x="10633166" y="1363291"/>
-              <a:ext cx="365760" cy="226841"/>
-            </a:xfrm>
-            <a:prstGeom prst="rect">
-              <a:avLst/>
-            </a:prstGeom>
-            <a:solidFill>
-              <a:srgbClr val="00B050"/>
-            </a:solidFill>
-            <a:ln>
-              <a:noFill/>
-            </a:ln>
-          </p:spPr>
-          <p:style>
-            <a:lnRef idx="2">
-              <a:schemeClr val="accent1">
-                <a:shade val="50000"/>
-              </a:schemeClr>
-            </a:lnRef>
-            <a:fillRef idx="1">
-              <a:schemeClr val="accent1"/>
-            </a:fillRef>
-            <a:effectRef idx="0">
-              <a:schemeClr val="accent1"/>
-            </a:effectRef>
-            <a:fontRef idx="minor">
-              <a:schemeClr val="lt1"/>
-            </a:fontRef>
-          </p:style>
-          <p:txBody>
-            <a:bodyPr rtlCol="0" anchor="ctr"/>
-            <a:lstStyle/>
-            <a:p>
-              <a:pPr algn="ctr"/>
-              <a:endParaRPr lang="ko-KR" altLang="en-US" sz="3600">
-                <a:solidFill>
-                  <a:schemeClr val="accent1"/>
-                </a:solidFill>
-              </a:endParaRPr>
-            </a:p>
-          </p:txBody>
-        </p:sp>
-        <p:sp>
-          <p:nvSpPr>
-            <p:cNvPr id="13" name="직사각형 12"/>
-            <p:cNvSpPr/>
-            <p:nvPr/>
-          </p:nvSpPr>
-          <p:spPr>
-            <a:xfrm>
-              <a:off x="10633166" y="1632857"/>
-              <a:ext cx="365760" cy="226841"/>
-            </a:xfrm>
-            <a:prstGeom prst="rect">
-              <a:avLst/>
-            </a:prstGeom>
-            <a:solidFill>
-              <a:srgbClr val="FFC000"/>
-            </a:solidFill>
-            <a:ln>
-              <a:noFill/>
-            </a:ln>
-          </p:spPr>
-          <p:style>
-            <a:lnRef idx="2">
-              <a:schemeClr val="accent1">
-                <a:shade val="50000"/>
-              </a:schemeClr>
-            </a:lnRef>
-            <a:fillRef idx="1">
-              <a:schemeClr val="accent1"/>
-            </a:fillRef>
-            <a:effectRef idx="0">
-              <a:schemeClr val="accent1"/>
-            </a:effectRef>
-            <a:fontRef idx="minor">
-              <a:schemeClr val="lt1"/>
-            </a:fontRef>
-          </p:style>
-          <p:txBody>
-            <a:bodyPr rtlCol="0" anchor="ctr"/>
-            <a:lstStyle/>
-            <a:p>
-              <a:pPr algn="ctr"/>
-              <a:endParaRPr lang="ko-KR" altLang="en-US" sz="3600">
-                <a:solidFill>
-                  <a:schemeClr val="accent1"/>
-                </a:solidFill>
-              </a:endParaRPr>
-            </a:p>
-          </p:txBody>
-        </p:sp>
-        <p:sp>
-          <p:nvSpPr>
-            <p:cNvPr id="14" name="TextBox 13"/>
-            <p:cNvSpPr txBox="1"/>
-            <p:nvPr/>
-          </p:nvSpPr>
-          <p:spPr>
-            <a:xfrm>
-              <a:off x="11011987" y="804526"/>
-              <a:ext cx="849086" cy="248437"/>
-            </a:xfrm>
-            <a:prstGeom prst="rect">
-              <a:avLst/>
-            </a:prstGeom>
-            <a:noFill/>
-          </p:spPr>
-          <p:txBody>
-            <a:bodyPr wrap="square" rtlCol="0">
-              <a:spAutoFit/>
-            </a:bodyPr>
-            <a:lstStyle/>
-            <a:p>
-              <a:r>
-                <a:rPr lang="en-US" altLang="ko-KR" sz="2000" dirty="0" smtClean="0"/>
-                <a:t>Novice</a:t>
-              </a:r>
-              <a:endParaRPr lang="ko-KR" altLang="en-US" sz="2000" dirty="0"/>
-            </a:p>
-          </p:txBody>
-        </p:sp>
-        <p:sp>
-          <p:nvSpPr>
-            <p:cNvPr id="15" name="TextBox 14"/>
-            <p:cNvSpPr txBox="1"/>
-            <p:nvPr/>
-          </p:nvSpPr>
-          <p:spPr>
-            <a:xfrm>
-              <a:off x="11011987" y="1071986"/>
-              <a:ext cx="1013604" cy="248437"/>
-            </a:xfrm>
-            <a:prstGeom prst="rect">
-              <a:avLst/>
-            </a:prstGeom>
-            <a:noFill/>
-          </p:spPr>
-          <p:txBody>
-            <a:bodyPr wrap="square" rtlCol="0">
-              <a:spAutoFit/>
-            </a:bodyPr>
-            <a:lstStyle/>
-            <a:p>
-              <a:r>
-                <a:rPr lang="en-US" altLang="ko-KR" sz="2000" dirty="0" smtClean="0"/>
-                <a:t>Slapstick</a:t>
-              </a:r>
-              <a:endParaRPr lang="ko-KR" altLang="en-US" sz="2000" dirty="0"/>
-            </a:p>
-          </p:txBody>
-        </p:sp>
-        <p:sp>
-          <p:nvSpPr>
-            <p:cNvPr id="16" name="TextBox 15"/>
-            <p:cNvSpPr txBox="1"/>
-            <p:nvPr/>
-          </p:nvSpPr>
-          <p:spPr>
-            <a:xfrm>
-              <a:off x="11011987" y="1337154"/>
-              <a:ext cx="849086" cy="248437"/>
-            </a:xfrm>
-            <a:prstGeom prst="rect">
-              <a:avLst/>
-            </a:prstGeom>
-            <a:noFill/>
-          </p:spPr>
-          <p:txBody>
-            <a:bodyPr wrap="square" rtlCol="0">
-              <a:spAutoFit/>
-            </a:bodyPr>
-            <a:lstStyle/>
-            <a:p>
-              <a:r>
-                <a:rPr lang="en-US" altLang="ko-KR" sz="2000" dirty="0" smtClean="0"/>
-                <a:t>Expert</a:t>
-              </a:r>
-              <a:endParaRPr lang="ko-KR" altLang="en-US" sz="2000" dirty="0"/>
-            </a:p>
-          </p:txBody>
-        </p:sp>
-        <p:sp>
-          <p:nvSpPr>
-            <p:cNvPr id="17" name="TextBox 16"/>
-            <p:cNvSpPr txBox="1"/>
-            <p:nvPr/>
-          </p:nvSpPr>
-          <p:spPr>
-            <a:xfrm>
-              <a:off x="11011987" y="1618342"/>
-              <a:ext cx="849086" cy="248437"/>
-            </a:xfrm>
-            <a:prstGeom prst="rect">
-              <a:avLst/>
-            </a:prstGeom>
-            <a:noFill/>
-          </p:spPr>
-          <p:txBody>
-            <a:bodyPr wrap="square" rtlCol="0">
-              <a:spAutoFit/>
-            </a:bodyPr>
-            <a:lstStyle/>
-            <a:p>
-              <a:r>
-                <a:rPr lang="en-US" altLang="ko-KR" sz="2000" dirty="0" smtClean="0"/>
-                <a:t>Circus</a:t>
-              </a:r>
-              <a:endParaRPr lang="ko-KR" altLang="en-US" sz="2000" dirty="0"/>
-            </a:p>
-          </p:txBody>
-        </p:sp>
-      </p:grpSp>
-      <p:graphicFrame>
-        <p:nvGraphicFramePr>
-          <p:cNvPr id="22" name="차트 21"/>
-          <p:cNvGraphicFramePr/>
-          <p:nvPr>
-            <p:extLst>
-              <p:ext uri="{D42A27DB-BD31-4B8C-83A1-F6EECF244321}">
-                <p14:modId xmlns:p14="http://schemas.microsoft.com/office/powerpoint/2010/main" val="2916520101"/>
-              </p:ext>
-            </p:extLst>
-          </p:nvPr>
-        </p:nvGraphicFramePr>
-        <p:xfrm>
-          <a:off x="414176" y="94359"/>
-          <a:ext cx="9317425" cy="6638173"/>
-        </p:xfrm>
-        <a:graphic>
-          <a:graphicData uri="http://schemas.openxmlformats.org/drawingml/2006/chart">
-            <c:chart xmlns:c="http://schemas.openxmlformats.org/drawingml/2006/chart" xmlns:r="http://schemas.openxmlformats.org/officeDocument/2006/relationships" r:id="rId2"/>
-          </a:graphicData>
-        </a:graphic>
-      </p:graphicFrame>
-      <p:sp>
-        <p:nvSpPr>
-          <p:cNvPr id="23" name="TextBox 22"/>
-          <p:cNvSpPr txBox="1"/>
-          <p:nvPr/>
-        </p:nvSpPr>
-        <p:spPr>
-          <a:xfrm>
-            <a:off x="5840622" y="1363207"/>
-            <a:ext cx="1252479" cy="707886"/>
-          </a:xfrm>
-          <a:prstGeom prst="rect">
-            <a:avLst/>
-          </a:prstGeom>
-          <a:noFill/>
-        </p:spPr>
-        <p:txBody>
-          <a:bodyPr wrap="square" rtlCol="0">
-            <a:spAutoFit/>
-          </a:bodyPr>
-          <a:lstStyle/>
-          <a:p>
-            <a:pPr algn="ctr"/>
-            <a:r>
-              <a:rPr lang="en-US" altLang="ko-KR" sz="4000" b="1" dirty="0" smtClean="0"/>
-              <a:t>29%</a:t>
-            </a:r>
-          </a:p>
-        </p:txBody>
-      </p:sp>
-      <p:sp>
-        <p:nvSpPr>
-          <p:cNvPr id="24" name="TextBox 23"/>
-          <p:cNvSpPr txBox="1"/>
-          <p:nvPr/>
-        </p:nvSpPr>
-        <p:spPr>
-          <a:xfrm>
-            <a:off x="3102719" y="1363207"/>
-            <a:ext cx="1232284" cy="707886"/>
-          </a:xfrm>
-          <a:prstGeom prst="rect">
-            <a:avLst/>
-          </a:prstGeom>
-          <a:noFill/>
-        </p:spPr>
-        <p:txBody>
-          <a:bodyPr wrap="square" rtlCol="0">
-            <a:spAutoFit/>
-          </a:bodyPr>
-          <a:lstStyle/>
-          <a:p>
-            <a:pPr algn="ctr"/>
-            <a:r>
-              <a:rPr lang="en-US" altLang="ko-KR" sz="4000" b="1" dirty="0" smtClean="0"/>
-              <a:t>31%</a:t>
-            </a:r>
-          </a:p>
-        </p:txBody>
-      </p:sp>
-      <p:sp>
-        <p:nvSpPr>
-          <p:cNvPr id="25" name="TextBox 24"/>
-          <p:cNvSpPr txBox="1"/>
-          <p:nvPr/>
-        </p:nvSpPr>
-        <p:spPr>
-          <a:xfrm>
-            <a:off x="6152531" y="4047869"/>
-            <a:ext cx="1339323" cy="707886"/>
-          </a:xfrm>
-          <a:prstGeom prst="rect">
-            <a:avLst/>
-          </a:prstGeom>
-          <a:noFill/>
-        </p:spPr>
-        <p:txBody>
-          <a:bodyPr wrap="square" rtlCol="0">
-            <a:spAutoFit/>
-          </a:bodyPr>
-          <a:lstStyle/>
-          <a:p>
-            <a:pPr algn="ctr"/>
-            <a:r>
-              <a:rPr lang="en-US" altLang="ko-KR" sz="4000" b="1" dirty="0" smtClean="0"/>
-              <a:t>36%</a:t>
-            </a:r>
-          </a:p>
-        </p:txBody>
-      </p:sp>
-      <p:sp>
-        <p:nvSpPr>
-          <p:cNvPr id="26" name="TextBox 25"/>
-          <p:cNvSpPr txBox="1"/>
-          <p:nvPr/>
-        </p:nvSpPr>
-        <p:spPr>
-          <a:xfrm>
-            <a:off x="2962210" y="4431610"/>
-            <a:ext cx="1372793" cy="707886"/>
-          </a:xfrm>
-          <a:prstGeom prst="rect">
-            <a:avLst/>
-          </a:prstGeom>
-          <a:noFill/>
-        </p:spPr>
-        <p:txBody>
-          <a:bodyPr wrap="square" rtlCol="0">
-            <a:spAutoFit/>
-          </a:bodyPr>
-          <a:lstStyle/>
-          <a:p>
-            <a:pPr algn="ctr"/>
-            <a:r>
-              <a:rPr lang="en-US" altLang="ko-KR" sz="4000" b="1" dirty="0" smtClean="0"/>
-              <a:t>42%</a:t>
-            </a:r>
-          </a:p>
-        </p:txBody>
-      </p:sp>
-    </p:spTree>
-    <p:extLst>
-      <p:ext uri="{BB962C8B-B14F-4D97-AF65-F5344CB8AC3E}">
-        <p14:creationId xmlns:p14="http://schemas.microsoft.com/office/powerpoint/2010/main" val="1846835914"/>
       </p:ext>
     </p:extLst>
   </p:cSld>
@@ -12521,7 +13519,7 @@
   <a:extraClrSchemeLst/>
   <a:extLst>
     <a:ext uri="{05A4C25C-085E-4340-85A3-A5531E510DB2}">
-      <thm15:themeFamily xmlns:thm15="http://schemas.microsoft.com/office/thememl/2012/main" xmlns="" name="Office Theme" id="{62F939B6-93AF-4DB8-9C6B-D6C7DFDC589F}" vid="{4A3C46E8-61CC-4603-A589-7422A47A8E4A}"/>
+      <thm15:themeFamily xmlns="" xmlns:thm15="http://schemas.microsoft.com/office/thememl/2012/main" name="Office Theme" id="{62F939B6-93AF-4DB8-9C6B-D6C7DFDC589F}" vid="{4A3C46E8-61CC-4603-A589-7422A47A8E4A}"/>
     </a:ext>
   </a:extLst>
 </a:theme>
@@ -12782,7 +13780,7 @@
   <a:extraClrSchemeLst/>
   <a:extLst>
     <a:ext uri="{05A4C25C-085E-4340-85A3-A5531E510DB2}">
-      <thm15:themeFamily xmlns:thm15="http://schemas.microsoft.com/office/thememl/2012/main" xmlns="" name="Office Theme" id="{62F939B6-93AF-4DB8-9C6B-D6C7DFDC589F}" vid="{4A3C46E8-61CC-4603-A589-7422A47A8E4A}"/>
+      <thm15:themeFamily xmlns="" xmlns:thm15="http://schemas.microsoft.com/office/thememl/2012/main" name="Office Theme" id="{62F939B6-93AF-4DB8-9C6B-D6C7DFDC589F}" vid="{4A3C46E8-61CC-4603-A589-7422A47A8E4A}"/>
     </a:ext>
   </a:extLst>
 </a:theme>

--- a/안치본/3. 논문 작성/사진자료/그림과표_김영범.pptx
+++ b/안치본/3. 논문 작성/사진자료/그림과표_김영범.pptx
@@ -123,7 +123,7 @@
   </p:defaultTextStyle>
   <p:extLst>
     <p:ext uri="{EFAFB233-063F-42B5-8137-9DF3F51BA10A}">
-      <p15:sldGuideLst xmlns="" xmlns:p15="http://schemas.microsoft.com/office/powerpoint/2012/main">
+      <p15:sldGuideLst xmlns:p15="http://schemas.microsoft.com/office/powerpoint/2012/main">
         <p15:guide id="1" orient="horz" pos="2160">
           <p15:clr>
             <a:srgbClr val="A4A3A4"/>
@@ -137,7 +137,7 @@
       </p15:sldGuideLst>
     </p:ext>
     <p:ext uri="{2D200454-40CA-4A62-9FC3-DE9A4176ACB9}">
-      <p15:notesGuideLst xmlns="" xmlns:p15="http://schemas.microsoft.com/office/powerpoint/2012/main"/>
+      <p15:notesGuideLst xmlns:p15="http://schemas.microsoft.com/office/powerpoint/2012/main"/>
     </p:ext>
   </p:extLst>
 </p:presentation>
@@ -148,7 +148,7 @@
   <p:cmAuthor id="1" name="Kim YoungBum" initials="KY" lastIdx="1" clrIdx="0">
     <p:extLst>
       <p:ext uri="{19B8F6BF-5375-455C-9EA6-DF929625EA0E}">
-        <p15:presenceInfo xmlns="" xmlns:p15="http://schemas.microsoft.com/office/powerpoint/2012/main" userId="58bde64b80528bfe" providerId="Windows Live"/>
+        <p15:presenceInfo xmlns:p15="http://schemas.microsoft.com/office/powerpoint/2012/main" userId="58bde64b80528bfe" providerId="Windows Live"/>
       </p:ext>
     </p:extLst>
   </p:cmAuthor>
@@ -156,7 +156,7 @@
 </file>
 
 <file path=ppt/charts/chart1.xml><?xml version="1.0" encoding="utf-8"?>
-<c:chartSpace xmlns:c="http://schemas.openxmlformats.org/drawingml/2006/chart" xmlns:a="http://schemas.openxmlformats.org/drawingml/2006/main" xmlns:r="http://schemas.openxmlformats.org/officeDocument/2006/relationships">
+<c:chartSpace xmlns:c="http://schemas.openxmlformats.org/drawingml/2006/chart" xmlns:a="http://schemas.openxmlformats.org/drawingml/2006/main" xmlns:r="http://schemas.openxmlformats.org/officeDocument/2006/relationships" xmlns:c16r2="http://schemas.microsoft.com/office/drawing/2015/06/chart">
   <c:date1904 val="0"/>
   <c:lang val="ko-KR"/>
   <c:roundedCorners val="0"/>
@@ -235,7 +235,7 @@
               </c:numCache>
             </c:numRef>
           </c:val>
-          <c:extLst xmlns:c16r2="http://schemas.microsoft.com/office/drawing/2015/06/chart">
+          <c:extLst>
             <c:ext xmlns:c16="http://schemas.microsoft.com/office/drawing/2014/chart" uri="{C3380CC4-5D6E-409C-BE32-E72D297353CC}">
               <c16:uniqueId val="{00000000-B2D1-4161-90F4-B5B1C52DDDEB}"/>
             </c:ext>
@@ -302,7 +302,7 @@
               </c:numCache>
             </c:numRef>
           </c:val>
-          <c:extLst xmlns:c16r2="http://schemas.microsoft.com/office/drawing/2015/06/chart">
+          <c:extLst>
             <c:ext xmlns:c16="http://schemas.microsoft.com/office/drawing/2014/chart" uri="{C3380CC4-5D6E-409C-BE32-E72D297353CC}">
               <c16:uniqueId val="{00000001-B2D1-4161-90F4-B5B1C52DDDEB}"/>
             </c:ext>
@@ -367,7 +367,7 @@
               </c:numCache>
             </c:numRef>
           </c:val>
-          <c:extLst xmlns:c16r2="http://schemas.microsoft.com/office/drawing/2015/06/chart">
+          <c:extLst>
             <c:ext xmlns:c16="http://schemas.microsoft.com/office/drawing/2014/chart" uri="{C3380CC4-5D6E-409C-BE32-E72D297353CC}">
               <c16:uniqueId val="{00000002-B2D1-4161-90F4-B5B1C52DDDEB}"/>
             </c:ext>
@@ -432,7 +432,7 @@
               </c:numCache>
             </c:numRef>
           </c:val>
-          <c:extLst xmlns:c16r2="http://schemas.microsoft.com/office/drawing/2015/06/chart">
+          <c:extLst>
             <c:ext xmlns:c16="http://schemas.microsoft.com/office/drawing/2014/chart" uri="{C3380CC4-5D6E-409C-BE32-E72D297353CC}">
               <c16:uniqueId val="{00000000-33E7-4E57-B241-38F147A79863}"/>
             </c:ext>
@@ -643,14 +643,14 @@
       <a:endParaRPr lang="ko-KR"/>
     </a:p>
   </c:txPr>
-  <c:externalData r:id="rId1">
+  <c:externalData r:id="rId3">
     <c:autoUpdate val="0"/>
   </c:externalData>
 </c:chartSpace>
 </file>
 
 <file path=ppt/charts/chart2.xml><?xml version="1.0" encoding="utf-8"?>
-<c:chartSpace xmlns:c="http://schemas.openxmlformats.org/drawingml/2006/chart" xmlns:a="http://schemas.openxmlformats.org/drawingml/2006/main" xmlns:r="http://schemas.openxmlformats.org/officeDocument/2006/relationships">
+<c:chartSpace xmlns:c="http://schemas.openxmlformats.org/drawingml/2006/chart" xmlns:a="http://schemas.openxmlformats.org/drawingml/2006/main" xmlns:r="http://schemas.openxmlformats.org/officeDocument/2006/relationships" xmlns:c16r2="http://schemas.microsoft.com/office/drawing/2015/06/chart">
   <c:date1904 val="0"/>
   <c:lang val="ko-KR"/>
   <c:roundedCorners val="0"/>
@@ -696,7 +696,7 @@
               </a:ln>
               <a:effectLst/>
             </c:spPr>
-            <c:extLst xmlns:c16r2="http://schemas.microsoft.com/office/drawing/2015/06/chart">
+            <c:extLst>
               <c:ext xmlns:c16="http://schemas.microsoft.com/office/drawing/2014/chart" uri="{C3380CC4-5D6E-409C-BE32-E72D297353CC}">
                 <c16:uniqueId val="{00000001-D885-4D73-83E5-4F2FC8B99003}"/>
               </c:ext>
@@ -716,7 +716,7 @@
               </a:ln>
               <a:effectLst/>
             </c:spPr>
-            <c:extLst xmlns:c16r2="http://schemas.microsoft.com/office/drawing/2015/06/chart">
+            <c:extLst>
               <c:ext xmlns:c16="http://schemas.microsoft.com/office/drawing/2014/chart" uri="{C3380CC4-5D6E-409C-BE32-E72D297353CC}">
                 <c16:uniqueId val="{00000003-D885-4D73-83E5-4F2FC8B99003}"/>
               </c:ext>
@@ -736,7 +736,7 @@
               </a:ln>
               <a:effectLst/>
             </c:spPr>
-            <c:extLst xmlns:c16r2="http://schemas.microsoft.com/office/drawing/2015/06/chart">
+            <c:extLst>
               <c:ext xmlns:c16="http://schemas.microsoft.com/office/drawing/2014/chart" uri="{C3380CC4-5D6E-409C-BE32-E72D297353CC}">
                 <c16:uniqueId val="{00000005-D885-4D73-83E5-4F2FC8B99003}"/>
               </c:ext>
@@ -756,7 +756,7 @@
               </a:ln>
               <a:effectLst/>
             </c:spPr>
-            <c:extLst xmlns:c16r2="http://schemas.microsoft.com/office/drawing/2015/06/chart">
+            <c:extLst>
               <c:ext xmlns:c16="http://schemas.microsoft.com/office/drawing/2014/chart" uri="{C3380CC4-5D6E-409C-BE32-E72D297353CC}">
                 <c16:uniqueId val="{00000007-D885-4D73-83E5-4F2FC8B99003}"/>
               </c:ext>
@@ -803,7 +803,7 @@
               </c:numCache>
             </c:numRef>
           </c:val>
-          <c:extLst xmlns:c16r2="http://schemas.microsoft.com/office/drawing/2015/06/chart">
+          <c:extLst>
             <c:ext xmlns:c16="http://schemas.microsoft.com/office/drawing/2014/chart" uri="{C3380CC4-5D6E-409C-BE32-E72D297353CC}">
               <c16:uniqueId val="{00000008-D885-4D73-83E5-4F2FC8B99003}"/>
             </c:ext>
@@ -856,7 +856,7 @@
 </file>
 
 <file path=ppt/charts/chart3.xml><?xml version="1.0" encoding="utf-8"?>
-<c:chartSpace xmlns:c="http://schemas.openxmlformats.org/drawingml/2006/chart" xmlns:a="http://schemas.openxmlformats.org/drawingml/2006/main" xmlns:r="http://schemas.openxmlformats.org/officeDocument/2006/relationships">
+<c:chartSpace xmlns:c="http://schemas.openxmlformats.org/drawingml/2006/chart" xmlns:a="http://schemas.openxmlformats.org/drawingml/2006/main" xmlns:r="http://schemas.openxmlformats.org/officeDocument/2006/relationships" xmlns:c16r2="http://schemas.microsoft.com/office/drawing/2015/06/chart">
   <c:date1904 val="0"/>
   <c:lang val="ko-KR"/>
   <c:roundedCorners val="0"/>
@@ -902,7 +902,7 @@
               </a:ln>
               <a:effectLst/>
             </c:spPr>
-            <c:extLst xmlns:c16r2="http://schemas.microsoft.com/office/drawing/2015/06/chart">
+            <c:extLst>
               <c:ext xmlns:c16="http://schemas.microsoft.com/office/drawing/2014/chart" uri="{C3380CC4-5D6E-409C-BE32-E72D297353CC}">
                 <c16:uniqueId val="{00000001-1792-4C58-A23F-84C9612BC9D3}"/>
               </c:ext>
@@ -922,7 +922,7 @@
               </a:ln>
               <a:effectLst/>
             </c:spPr>
-            <c:extLst xmlns:c16r2="http://schemas.microsoft.com/office/drawing/2015/06/chart">
+            <c:extLst>
               <c:ext xmlns:c16="http://schemas.microsoft.com/office/drawing/2014/chart" uri="{C3380CC4-5D6E-409C-BE32-E72D297353CC}">
                 <c16:uniqueId val="{00000003-1792-4C58-A23F-84C9612BC9D3}"/>
               </c:ext>
@@ -942,7 +942,7 @@
               </a:ln>
               <a:effectLst/>
             </c:spPr>
-            <c:extLst xmlns:c16r2="http://schemas.microsoft.com/office/drawing/2015/06/chart">
+            <c:extLst>
               <c:ext xmlns:c16="http://schemas.microsoft.com/office/drawing/2014/chart" uri="{C3380CC4-5D6E-409C-BE32-E72D297353CC}">
                 <c16:uniqueId val="{00000005-1792-4C58-A23F-84C9612BC9D3}"/>
               </c:ext>
@@ -962,7 +962,7 @@
               </a:ln>
               <a:effectLst/>
             </c:spPr>
-            <c:extLst xmlns:c16r2="http://schemas.microsoft.com/office/drawing/2015/06/chart">
+            <c:extLst>
               <c:ext xmlns:c16="http://schemas.microsoft.com/office/drawing/2014/chart" uri="{C3380CC4-5D6E-409C-BE32-E72D297353CC}">
                 <c16:uniqueId val="{00000007-1792-4C58-A23F-84C9612BC9D3}"/>
               </c:ext>
@@ -1009,7 +1009,7 @@
               </c:numCache>
             </c:numRef>
           </c:val>
-          <c:extLst xmlns:c16r2="http://schemas.microsoft.com/office/drawing/2015/06/chart">
+          <c:extLst>
             <c:ext xmlns:c16="http://schemas.microsoft.com/office/drawing/2014/chart" uri="{C3380CC4-5D6E-409C-BE32-E72D297353CC}">
               <c16:uniqueId val="{00000008-1792-4C58-A23F-84C9612BC9D3}"/>
             </c:ext>
@@ -1686,7 +1686,7 @@
           <a:p>
             <a:fld id="{413548A9-17B7-486F-BAE8-5C551821AB5E}" type="datetimeFigureOut">
               <a:rPr lang="ko-KR" altLang="en-US" smtClean="0"/>
-              <a:t>2020-11-08</a:t>
+              <a:t>2020-11-10</a:t>
             </a:fld>
             <a:endParaRPr lang="ko-KR" altLang="en-US"/>
           </a:p>
@@ -2427,7 +2427,7 @@
                   </a:prstClr>
                 </a:solidFill>
               </a:rPr>
-              <a:t>2020-11-08</a:t>
+              <a:t>2020-11-10</a:t>
             </a:fld>
             <a:endParaRPr lang="ko-KR" altLang="en-US">
               <a:solidFill>
@@ -2592,7 +2592,7 @@
                   </a:prstClr>
                 </a:solidFill>
               </a:rPr>
-              <a:t>2020-11-08</a:t>
+              <a:t>2020-11-10</a:t>
             </a:fld>
             <a:endParaRPr lang="ko-KR" altLang="en-US">
               <a:solidFill>
@@ -2767,7 +2767,7 @@
                   </a:prstClr>
                 </a:solidFill>
               </a:rPr>
-              <a:t>2020-11-08</a:t>
+              <a:t>2020-11-10</a:t>
             </a:fld>
             <a:endParaRPr lang="ko-KR" altLang="en-US">
               <a:solidFill>
@@ -2932,7 +2932,7 @@
                   </a:prstClr>
                 </a:solidFill>
               </a:rPr>
-              <a:t>2020-11-08</a:t>
+              <a:t>2020-11-10</a:t>
             </a:fld>
             <a:endParaRPr lang="ko-KR" altLang="en-US">
               <a:solidFill>
@@ -3173,7 +3173,7 @@
                   </a:prstClr>
                 </a:solidFill>
               </a:rPr>
-              <a:t>2020-11-08</a:t>
+              <a:t>2020-11-10</a:t>
             </a:fld>
             <a:endParaRPr lang="ko-KR" altLang="en-US">
               <a:solidFill>
@@ -3400,7 +3400,7 @@
                   </a:prstClr>
                 </a:solidFill>
               </a:rPr>
-              <a:t>2020-11-08</a:t>
+              <a:t>2020-11-10</a:t>
             </a:fld>
             <a:endParaRPr lang="ko-KR" altLang="en-US">
               <a:solidFill>
@@ -3762,7 +3762,7 @@
                   </a:prstClr>
                 </a:solidFill>
               </a:rPr>
-              <a:t>2020-11-08</a:t>
+              <a:t>2020-11-10</a:t>
             </a:fld>
             <a:endParaRPr lang="ko-KR" altLang="en-US">
               <a:solidFill>
@@ -3875,7 +3875,7 @@
                   </a:prstClr>
                 </a:solidFill>
               </a:rPr>
-              <a:t>2020-11-08</a:t>
+              <a:t>2020-11-10</a:t>
             </a:fld>
             <a:endParaRPr lang="ko-KR" altLang="en-US">
               <a:solidFill>
@@ -3965,7 +3965,7 @@
                   </a:prstClr>
                 </a:solidFill>
               </a:rPr>
-              <a:t>2020-11-08</a:t>
+              <a:t>2020-11-10</a:t>
             </a:fld>
             <a:endParaRPr lang="ko-KR" altLang="en-US">
               <a:solidFill>
@@ -4237,7 +4237,7 @@
                   </a:prstClr>
                 </a:solidFill>
               </a:rPr>
-              <a:t>2020-11-08</a:t>
+              <a:t>2020-11-10</a:t>
             </a:fld>
             <a:endParaRPr lang="ko-KR" altLang="en-US">
               <a:solidFill>
@@ -4485,7 +4485,7 @@
                   </a:prstClr>
                 </a:solidFill>
               </a:rPr>
-              <a:t>2020-11-08</a:t>
+              <a:t>2020-11-10</a:t>
             </a:fld>
             <a:endParaRPr lang="ko-KR" altLang="en-US">
               <a:solidFill>
@@ -4693,7 +4693,7 @@
                   </a:prstClr>
                 </a:solidFill>
               </a:rPr>
-              <a:t>2020-11-08</a:t>
+              <a:t>2020-11-10</a:t>
             </a:fld>
             <a:endParaRPr lang="ko-KR" altLang="en-US">
               <a:solidFill>
@@ -6255,7 +6255,7 @@
             <p:cNvPr id="7" name="직사각형 6">
               <a:extLst>
                 <a:ext uri="{FF2B5EF4-FFF2-40B4-BE49-F238E27FC236}">
-                  <a16:creationId xmlns="" xmlns:a16="http://schemas.microsoft.com/office/drawing/2014/main" id="{3FA00699-5178-465A-9F3F-130CF1431F70}"/>
+                  <a16:creationId xmlns:a16="http://schemas.microsoft.com/office/drawing/2014/main" id="{3FA00699-5178-465A-9F3F-130CF1431F70}"/>
                 </a:ext>
               </a:extLst>
             </p:cNvPr>
@@ -6361,7 +6361,7 @@
             <p:cNvPr id="26" name="직사각형 25">
               <a:extLst>
                 <a:ext uri="{FF2B5EF4-FFF2-40B4-BE49-F238E27FC236}">
-                  <a16:creationId xmlns="" xmlns:a16="http://schemas.microsoft.com/office/drawing/2014/main" id="{3FA00699-5178-465A-9F3F-130CF1431F70}"/>
+                  <a16:creationId xmlns:a16="http://schemas.microsoft.com/office/drawing/2014/main" id="{3FA00699-5178-465A-9F3F-130CF1431F70}"/>
                 </a:ext>
               </a:extLst>
             </p:cNvPr>
@@ -6462,7 +6462,7 @@
             <p:cNvPr id="28" name="직사각형 27">
               <a:extLst>
                 <a:ext uri="{FF2B5EF4-FFF2-40B4-BE49-F238E27FC236}">
-                  <a16:creationId xmlns="" xmlns:a16="http://schemas.microsoft.com/office/drawing/2014/main" id="{3FA00699-5178-465A-9F3F-130CF1431F70}"/>
+                  <a16:creationId xmlns:a16="http://schemas.microsoft.com/office/drawing/2014/main" id="{3FA00699-5178-465A-9F3F-130CF1431F70}"/>
                 </a:ext>
               </a:extLst>
             </p:cNvPr>
@@ -6621,7 +6621,7 @@
         </p:nvSpPr>
         <p:spPr>
           <a:xfrm>
-            <a:off x="391886" y="274320"/>
+            <a:off x="-650701" y="0"/>
             <a:ext cx="404948" cy="369332"/>
           </a:xfrm>
           <a:prstGeom prst="rect">
@@ -9809,13 +9809,13 @@
         </p:nvCxnSpPr>
         <p:spPr>
           <a:xfrm flipV="1">
-            <a:off x="3554948" y="1094411"/>
+            <a:off x="3580586" y="1094411"/>
             <a:ext cx="0" cy="4684304"/>
           </a:xfrm>
           <a:prstGeom prst="straightConnector1">
             <a:avLst/>
           </a:prstGeom>
-          <a:ln w="38100">
+          <a:ln w="76200">
             <a:solidFill>
               <a:schemeClr val="tx1"/>
             </a:solidFill>
@@ -9845,13 +9845,13 @@
         </p:nvCxnSpPr>
         <p:spPr>
           <a:xfrm>
-            <a:off x="3571574" y="5765652"/>
+            <a:off x="3571574" y="5740014"/>
             <a:ext cx="5115226" cy="0"/>
           </a:xfrm>
           <a:prstGeom prst="straightConnector1">
             <a:avLst/>
           </a:prstGeom>
-          <a:ln w="38100">
+          <a:ln w="76200">
             <a:solidFill>
               <a:schemeClr val="tx1"/>
             </a:solidFill>
@@ -9881,8 +9881,8 @@
         </p:nvSpPr>
         <p:spPr>
           <a:xfrm>
-            <a:off x="4867643" y="5801280"/>
-            <a:ext cx="2590408" cy="461665"/>
+            <a:off x="4867643" y="5826918"/>
+            <a:ext cx="2590408" cy="523220"/>
           </a:xfrm>
           <a:prstGeom prst="rect">
             <a:avLst/>
@@ -9897,10 +9897,10 @@
           <a:p>
             <a:pPr algn="ctr"/>
             <a:r>
-              <a:rPr lang="en-US" altLang="ko-KR" sz="2400" b="1" dirty="0" smtClean="0"/>
+              <a:rPr lang="en-US" altLang="ko-KR" sz="2800" b="1" dirty="0" smtClean="0"/>
               <a:t>Amusement</a:t>
             </a:r>
-            <a:endParaRPr lang="en-US" altLang="ko-KR" sz="2400" b="1" dirty="0"/>
+            <a:endParaRPr lang="en-US" altLang="ko-KR" sz="2800" b="1" dirty="0"/>
           </a:p>
         </p:txBody>
       </p:sp>
@@ -9912,8 +9912,8 @@
         </p:nvSpPr>
         <p:spPr>
           <a:xfrm rot="16200000">
-            <a:off x="2028674" y="3027266"/>
-            <a:ext cx="2415047" cy="461665"/>
+            <a:off x="2003036" y="2996489"/>
+            <a:ext cx="2415047" cy="523220"/>
           </a:xfrm>
           <a:prstGeom prst="rect">
             <a:avLst/>
@@ -9928,10 +9928,9 @@
           <a:p>
             <a:pPr algn="ctr"/>
             <a:r>
-              <a:rPr lang="en-US" altLang="ko-KR" sz="2400" b="1" dirty="0" smtClean="0"/>
+              <a:rPr lang="en-US" altLang="ko-KR" sz="2800" b="1" dirty="0" smtClean="0"/>
               <a:t>Expertise</a:t>
             </a:r>
-            <a:endParaRPr lang="en-US" altLang="ko-KR" sz="2400" b="1" dirty="0" smtClean="0"/>
           </a:p>
         </p:txBody>
       </p:sp>
@@ -10140,6 +10139,36 @@
               <a:t>Acrobat</a:t>
             </a:r>
             <a:endParaRPr lang="ko-KR" altLang="en-US" sz="3200" b="1" dirty="0"/>
+          </a:p>
+        </p:txBody>
+      </p:sp>
+      <p:sp>
+        <p:nvSpPr>
+          <p:cNvPr id="14" name="TextBox 13"/>
+          <p:cNvSpPr txBox="1"/>
+          <p:nvPr/>
+        </p:nvSpPr>
+        <p:spPr>
+          <a:xfrm>
+            <a:off x="391886" y="274320"/>
+            <a:ext cx="404948" cy="369332"/>
+          </a:xfrm>
+          <a:prstGeom prst="rect">
+            <a:avLst/>
+          </a:prstGeom>
+          <a:noFill/>
+        </p:spPr>
+        <p:txBody>
+          <a:bodyPr wrap="square" rtlCol="0">
+            <a:spAutoFit/>
+          </a:bodyPr>
+          <a:lstStyle/>
+          <a:p>
+            <a:r>
+              <a:rPr lang="ko-KR" altLang="en-US" dirty="0" err="1" smtClean="0"/>
+              <a:t>ㄱ</a:t>
+            </a:r>
+            <a:endParaRPr lang="en-US" altLang="ko-KR" dirty="0" smtClean="0"/>
           </a:p>
         </p:txBody>
       </p:sp>
@@ -11652,8 +11681,8 @@
         </p:nvSpPr>
         <p:spPr>
           <a:xfrm>
-            <a:off x="4739117" y="4664426"/>
-            <a:ext cx="1406738" cy="830997"/>
+            <a:off x="4598578" y="4704502"/>
+            <a:ext cx="1702153" cy="830997"/>
           </a:xfrm>
           <a:prstGeom prst="rect">
             <a:avLst/>
@@ -11675,8 +11704,15 @@
                 <a:latin typeface="Arial" panose="020B0604020202020204" pitchFamily="34" charset="0"/>
                 <a:cs typeface="Arial" panose="020B0604020202020204" pitchFamily="34" charset="0"/>
               </a:rPr>
-              <a:t>Novice</a:t>
-            </a:r>
+              <a:t>Reviewer</a:t>
+            </a:r>
+            <a:endParaRPr lang="en-US" altLang="ko-KR" sz="2400" b="1" dirty="0" smtClean="0">
+              <a:solidFill>
+                <a:schemeClr val="bg1"/>
+              </a:solidFill>
+              <a:latin typeface="Arial" panose="020B0604020202020204" pitchFamily="34" charset="0"/>
+              <a:cs typeface="Arial" panose="020B0604020202020204" pitchFamily="34" charset="0"/>
+            </a:endParaRPr>
           </a:p>
           <a:p>
             <a:pPr algn="ctr"/>
@@ -11688,41 +11724,8 @@
                 <a:latin typeface="Arial" panose="020B0604020202020204" pitchFamily="34" charset="0"/>
                 <a:cs typeface="Arial" panose="020B0604020202020204" pitchFamily="34" charset="0"/>
               </a:rPr>
-              <a:t>3 EA</a:t>
-            </a:r>
-            <a:endParaRPr lang="en-US" altLang="ko-KR" sz="2400" b="1" dirty="0">
-              <a:solidFill>
-                <a:schemeClr val="bg1"/>
-              </a:solidFill>
-              <a:latin typeface="Arial" panose="020B0604020202020204" pitchFamily="34" charset="0"/>
-              <a:cs typeface="Arial" panose="020B0604020202020204" pitchFamily="34" charset="0"/>
-            </a:endParaRPr>
-          </a:p>
-        </p:txBody>
-      </p:sp>
-      <p:sp>
-        <p:nvSpPr>
-          <p:cNvPr id="10" name="TextBox 9"/>
-          <p:cNvSpPr txBox="1"/>
-          <p:nvPr/>
-        </p:nvSpPr>
-        <p:spPr>
-          <a:xfrm>
-            <a:off x="4389711" y="1505541"/>
-            <a:ext cx="1162594" cy="830997"/>
-          </a:xfrm>
-          <a:prstGeom prst="rect">
-            <a:avLst/>
-          </a:prstGeom>
-          <a:noFill/>
-        </p:spPr>
-        <p:txBody>
-          <a:bodyPr wrap="square" rtlCol="0">
-            <a:spAutoFit/>
-          </a:bodyPr>
-          <a:lstStyle/>
-          <a:p>
-            <a:pPr algn="ctr"/>
+              <a:t>3 </a:t>
+            </a:r>
             <a:r>
               <a:rPr lang="en-US" altLang="ko-KR" sz="2400" b="1" dirty="0" smtClean="0">
                 <a:solidFill>
@@ -11731,37 +11734,21 @@
                 <a:latin typeface="Arial" panose="020B0604020202020204" pitchFamily="34" charset="0"/>
                 <a:cs typeface="Arial" panose="020B0604020202020204" pitchFamily="34" charset="0"/>
               </a:rPr>
-              <a:t>Expert</a:t>
-            </a:r>
-          </a:p>
-          <a:p>
-            <a:pPr algn="ctr"/>
-            <a:r>
-              <a:rPr lang="en-US" altLang="ko-KR" sz="2400" b="1" dirty="0" smtClean="0">
-                <a:solidFill>
-                  <a:schemeClr val="bg1"/>
-                </a:solidFill>
-              </a:rPr>
-              <a:t>32 EA</a:t>
-            </a:r>
-            <a:endParaRPr lang="en-US" altLang="ko-KR" sz="2400" b="1" dirty="0">
-              <a:solidFill>
-                <a:schemeClr val="bg1"/>
-              </a:solidFill>
-            </a:endParaRPr>
-          </a:p>
-        </p:txBody>
-      </p:sp>
-      <p:sp>
-        <p:nvSpPr>
-          <p:cNvPr id="11" name="TextBox 10"/>
+              <a:t>EA</a:t>
+            </a:r>
+          </a:p>
+        </p:txBody>
+      </p:sp>
+      <p:sp>
+        <p:nvSpPr>
+          <p:cNvPr id="10" name="TextBox 9"/>
           <p:cNvSpPr txBox="1"/>
           <p:nvPr/>
         </p:nvSpPr>
         <p:spPr>
           <a:xfrm>
-            <a:off x="5938061" y="3062409"/>
-            <a:ext cx="1547412" cy="830997"/>
+            <a:off x="4331582" y="1505541"/>
+            <a:ext cx="1278853" cy="830997"/>
           </a:xfrm>
           <a:prstGeom prst="rect">
             <a:avLst/>
@@ -11783,8 +11770,77 @@
                 <a:latin typeface="Arial" panose="020B0604020202020204" pitchFamily="34" charset="0"/>
                 <a:cs typeface="Arial" panose="020B0604020202020204" pitchFamily="34" charset="0"/>
               </a:rPr>
-              <a:t>Slapstick</a:t>
-            </a:r>
+              <a:t>Master</a:t>
+            </a:r>
+            <a:endParaRPr lang="en-US" altLang="ko-KR" sz="2400" b="1" dirty="0" smtClean="0">
+              <a:solidFill>
+                <a:schemeClr val="bg1"/>
+              </a:solidFill>
+              <a:latin typeface="Arial" panose="020B0604020202020204" pitchFamily="34" charset="0"/>
+              <a:cs typeface="Arial" panose="020B0604020202020204" pitchFamily="34" charset="0"/>
+            </a:endParaRPr>
+          </a:p>
+          <a:p>
+            <a:pPr algn="ctr"/>
+            <a:r>
+              <a:rPr lang="en-US" altLang="ko-KR" sz="2400" b="1" dirty="0" smtClean="0">
+                <a:solidFill>
+                  <a:schemeClr val="bg1"/>
+                </a:solidFill>
+              </a:rPr>
+              <a:t>32 </a:t>
+            </a:r>
+            <a:r>
+              <a:rPr lang="en-US" altLang="ko-KR" sz="2400" b="1" dirty="0" smtClean="0">
+                <a:solidFill>
+                  <a:schemeClr val="bg1"/>
+                </a:solidFill>
+              </a:rPr>
+              <a:t>EA</a:t>
+            </a:r>
+          </a:p>
+        </p:txBody>
+      </p:sp>
+      <p:sp>
+        <p:nvSpPr>
+          <p:cNvPr id="11" name="TextBox 10"/>
+          <p:cNvSpPr txBox="1"/>
+          <p:nvPr/>
+        </p:nvSpPr>
+        <p:spPr>
+          <a:xfrm>
+            <a:off x="5562411" y="2957829"/>
+            <a:ext cx="1872368" cy="830997"/>
+          </a:xfrm>
+          <a:prstGeom prst="rect">
+            <a:avLst/>
+          </a:prstGeom>
+          <a:noFill/>
+        </p:spPr>
+        <p:txBody>
+          <a:bodyPr wrap="square" rtlCol="0">
+            <a:spAutoFit/>
+          </a:bodyPr>
+          <a:lstStyle/>
+          <a:p>
+            <a:pPr algn="ctr"/>
+            <a:r>
+              <a:rPr lang="en-US" altLang="ko-KR" sz="2400" b="1" dirty="0" smtClean="0">
+                <a:solidFill>
+                  <a:schemeClr val="bg1"/>
+                </a:solidFill>
+                <a:latin typeface="Arial" panose="020B0604020202020204" pitchFamily="34" charset="0"/>
+                <a:cs typeface="Arial" panose="020B0604020202020204" pitchFamily="34" charset="0"/>
+              </a:rPr>
+              <a:t>Entertainer</a:t>
+            </a:r>
+            <a:endParaRPr lang="en-US" altLang="ko-KR" sz="2400" b="1" dirty="0" smtClean="0">
+              <a:solidFill>
+                <a:schemeClr val="bg1"/>
+              </a:solidFill>
+              <a:latin typeface="Arial" panose="020B0604020202020204" pitchFamily="34" charset="0"/>
+              <a:cs typeface="Arial" panose="020B0604020202020204" pitchFamily="34" charset="0"/>
+            </a:endParaRPr>
           </a:p>
           <a:p>
             <a:pPr algn="ctr"/>
@@ -11798,13 +11854,6 @@
               </a:rPr>
               <a:t>17 EA</a:t>
             </a:r>
-            <a:endParaRPr lang="en-US" altLang="ko-KR" sz="2400" b="1" dirty="0">
-              <a:solidFill>
-                <a:schemeClr val="bg1"/>
-              </a:solidFill>
-              <a:latin typeface="Arial" panose="020B0604020202020204" pitchFamily="34" charset="0"/>
-              <a:cs typeface="Arial" panose="020B0604020202020204" pitchFamily="34" charset="0"/>
-            </a:endParaRPr>
           </a:p>
         </p:txBody>
       </p:sp>
@@ -11816,8 +11865,8 @@
         </p:nvSpPr>
         <p:spPr>
           <a:xfrm>
-            <a:off x="5754820" y="692107"/>
-            <a:ext cx="1162594" cy="830997"/>
+            <a:off x="5562411" y="725015"/>
+            <a:ext cx="1547412" cy="830997"/>
           </a:xfrm>
           <a:prstGeom prst="rect">
             <a:avLst/>
@@ -11839,8 +11888,15 @@
                 <a:latin typeface="Arial" panose="020B0604020202020204" pitchFamily="34" charset="0"/>
                 <a:cs typeface="Arial" panose="020B0604020202020204" pitchFamily="34" charset="0"/>
               </a:rPr>
-              <a:t>Circus</a:t>
-            </a:r>
+              <a:t>Acrobat</a:t>
+            </a:r>
+            <a:endParaRPr lang="en-US" altLang="ko-KR" sz="2400" b="1" dirty="0" smtClean="0">
+              <a:solidFill>
+                <a:schemeClr val="bg1"/>
+              </a:solidFill>
+              <a:latin typeface="Arial" panose="020B0604020202020204" pitchFamily="34" charset="0"/>
+              <a:cs typeface="Arial" panose="020B0604020202020204" pitchFamily="34" charset="0"/>
+            </a:endParaRPr>
           </a:p>
           <a:p>
             <a:pPr algn="ctr"/>
@@ -11852,15 +11908,18 @@
                 <a:latin typeface="Arial" panose="020B0604020202020204" pitchFamily="34" charset="0"/>
                 <a:cs typeface="Arial" panose="020B0604020202020204" pitchFamily="34" charset="0"/>
               </a:rPr>
-              <a:t>41 EA</a:t>
-            </a:r>
-            <a:endParaRPr lang="en-US" altLang="ko-KR" sz="2400" b="1" dirty="0">
-              <a:solidFill>
-                <a:schemeClr val="bg1"/>
-              </a:solidFill>
-              <a:latin typeface="Arial" panose="020B0604020202020204" pitchFamily="34" charset="0"/>
-              <a:cs typeface="Arial" panose="020B0604020202020204" pitchFamily="34" charset="0"/>
-            </a:endParaRPr>
+              <a:t>41 </a:t>
+            </a:r>
+            <a:r>
+              <a:rPr lang="en-US" altLang="ko-KR" sz="2400" b="1" dirty="0" smtClean="0">
+                <a:solidFill>
+                  <a:schemeClr val="bg1"/>
+                </a:solidFill>
+                <a:latin typeface="Arial" panose="020B0604020202020204" pitchFamily="34" charset="0"/>
+                <a:cs typeface="Arial" panose="020B0604020202020204" pitchFamily="34" charset="0"/>
+              </a:rPr>
+              <a:t>EA</a:t>
+            </a:r>
           </a:p>
         </p:txBody>
       </p:sp>
@@ -11878,7 +11937,7 @@
           <a:prstGeom prst="straightConnector1">
             <a:avLst/>
           </a:prstGeom>
-          <a:ln w="38100">
+          <a:ln w="57150">
             <a:solidFill>
               <a:schemeClr val="tx1"/>
             </a:solidFill>
@@ -11914,7 +11973,7 @@
           <a:prstGeom prst="straightConnector1">
             <a:avLst/>
           </a:prstGeom>
-          <a:ln w="38100">
+          <a:ln w="57150">
             <a:solidFill>
               <a:schemeClr val="tx1"/>
             </a:solidFill>
@@ -11944,13 +12003,13 @@
         </p:nvCxnSpPr>
         <p:spPr>
           <a:xfrm flipV="1">
-            <a:off x="4975571" y="5256858"/>
+            <a:off x="4975571" y="5265404"/>
             <a:ext cx="3070225" cy="642398"/>
           </a:xfrm>
           <a:prstGeom prst="straightConnector1">
             <a:avLst/>
           </a:prstGeom>
-          <a:ln w="38100">
+          <a:ln w="57150">
             <a:solidFill>
               <a:schemeClr val="tx1"/>
             </a:solidFill>
@@ -12002,10 +12061,6 @@
               </a:rPr>
               <a:t>Amusement</a:t>
             </a:r>
-            <a:endParaRPr lang="en-US" altLang="ko-KR" sz="2400" b="1" dirty="0" smtClean="0">
-              <a:latin typeface="Times New Roman" panose="02020603050405020304" pitchFamily="18" charset="0"/>
-              <a:cs typeface="Times New Roman" panose="02020603050405020304" pitchFamily="18" charset="0"/>
-            </a:endParaRPr>
           </a:p>
         </p:txBody>
       </p:sp>
@@ -12039,10 +12094,6 @@
               </a:rPr>
               <a:t>Expertise</a:t>
             </a:r>
-            <a:endParaRPr lang="en-US" altLang="ko-KR" sz="2400" b="1" dirty="0" smtClean="0">
-              <a:latin typeface="Times New Roman" panose="02020603050405020304" pitchFamily="18" charset="0"/>
-              <a:cs typeface="Times New Roman" panose="02020603050405020304" pitchFamily="18" charset="0"/>
-            </a:endParaRPr>
           </a:p>
         </p:txBody>
       </p:sp>
@@ -12074,14 +12125,14 @@
                 <a:latin typeface="Times New Roman" panose="02020603050405020304" pitchFamily="18" charset="0"/>
                 <a:cs typeface="Times New Roman" panose="02020603050405020304" pitchFamily="18" charset="0"/>
               </a:rPr>
-              <a:t>Number </a:t>
+              <a:t>Number of </a:t>
             </a:r>
             <a:r>
               <a:rPr lang="en-US" altLang="ko-KR" sz="2400" b="1" dirty="0" smtClean="0">
                 <a:latin typeface="Times New Roman" panose="02020603050405020304" pitchFamily="18" charset="0"/>
                 <a:cs typeface="Times New Roman" panose="02020603050405020304" pitchFamily="18" charset="0"/>
               </a:rPr>
-              <a:t>of video</a:t>
+              <a:t>video</a:t>
             </a:r>
             <a:endParaRPr lang="en-US" altLang="ko-KR" sz="2400" b="1" dirty="0" smtClean="0">
               <a:latin typeface="Times New Roman" panose="02020603050405020304" pitchFamily="18" charset="0"/>
@@ -12752,7 +12803,7 @@
           <a:prstGeom prst="straightConnector1">
             <a:avLst/>
           </a:prstGeom>
-          <a:ln w="38100">
+          <a:ln w="57150">
             <a:solidFill>
               <a:schemeClr val="tx1"/>
             </a:solidFill>
@@ -12788,7 +12839,7 @@
           <a:prstGeom prst="straightConnector1">
             <a:avLst/>
           </a:prstGeom>
-          <a:ln w="38100">
+          <a:ln w="57150">
             <a:solidFill>
               <a:schemeClr val="tx1"/>
             </a:solidFill>
@@ -12818,13 +12869,13 @@
         </p:nvCxnSpPr>
         <p:spPr>
           <a:xfrm flipV="1">
-            <a:off x="4875825" y="5983836"/>
+            <a:off x="4884371" y="5992382"/>
             <a:ext cx="2879031" cy="513942"/>
           </a:xfrm>
           <a:prstGeom prst="straightConnector1">
             <a:avLst/>
           </a:prstGeom>
-          <a:ln w="38100">
+          <a:ln w="57150">
             <a:solidFill>
               <a:schemeClr val="tx1"/>
             </a:solidFill>
@@ -12876,10 +12927,6 @@
               </a:rPr>
               <a:t>Amusement</a:t>
             </a:r>
-            <a:endParaRPr lang="en-US" altLang="ko-KR" sz="2400" b="1" dirty="0" smtClean="0">
-              <a:latin typeface="Times New Roman" panose="02020603050405020304" pitchFamily="18" charset="0"/>
-              <a:cs typeface="Times New Roman" panose="02020603050405020304" pitchFamily="18" charset="0"/>
-            </a:endParaRPr>
           </a:p>
         </p:txBody>
       </p:sp>
@@ -12913,10 +12960,6 @@
               </a:rPr>
               <a:t>Expertise</a:t>
             </a:r>
-            <a:endParaRPr lang="en-US" altLang="ko-KR" sz="2400" b="1" dirty="0" smtClean="0">
-              <a:latin typeface="Times New Roman" panose="02020603050405020304" pitchFamily="18" charset="0"/>
-              <a:cs typeface="Times New Roman" panose="02020603050405020304" pitchFamily="18" charset="0"/>
-            </a:endParaRPr>
           </a:p>
         </p:txBody>
       </p:sp>
@@ -13003,14 +13046,44 @@
       </p:sp>
       <p:sp>
         <p:nvSpPr>
-          <p:cNvPr id="22" name="TextBox 21"/>
+          <p:cNvPr id="14" name="TextBox 13"/>
           <p:cNvSpPr txBox="1"/>
           <p:nvPr/>
         </p:nvSpPr>
         <p:spPr>
           <a:xfrm>
-            <a:off x="4636441" y="5441467"/>
-            <a:ext cx="1406738" cy="830997"/>
+            <a:off x="391886" y="274320"/>
+            <a:ext cx="404948" cy="369332"/>
+          </a:xfrm>
+          <a:prstGeom prst="rect">
+            <a:avLst/>
+          </a:prstGeom>
+          <a:noFill/>
+        </p:spPr>
+        <p:txBody>
+          <a:bodyPr wrap="square" rtlCol="0">
+            <a:spAutoFit/>
+          </a:bodyPr>
+          <a:lstStyle/>
+          <a:p>
+            <a:r>
+              <a:rPr lang="ko-KR" altLang="en-US" dirty="0" err="1" smtClean="0"/>
+              <a:t>ㄱ</a:t>
+            </a:r>
+            <a:endParaRPr lang="en-US" altLang="ko-KR" dirty="0" smtClean="0"/>
+          </a:p>
+        </p:txBody>
+      </p:sp>
+      <p:sp>
+        <p:nvSpPr>
+          <p:cNvPr id="18" name="TextBox 17"/>
+          <p:cNvSpPr txBox="1"/>
+          <p:nvPr/>
+        </p:nvSpPr>
+        <p:spPr>
+          <a:xfrm>
+            <a:off x="4423227" y="5445368"/>
+            <a:ext cx="1702153" cy="830997"/>
           </a:xfrm>
           <a:prstGeom prst="rect">
             <a:avLst/>
@@ -13032,9 +13105,59 @@
                 <a:latin typeface="Arial" panose="020B0604020202020204" pitchFamily="34" charset="0"/>
                 <a:cs typeface="Arial" panose="020B0604020202020204" pitchFamily="34" charset="0"/>
               </a:rPr>
-              <a:t>Novice</a:t>
-            </a:r>
-          </a:p>
+              <a:t>Reviewer</a:t>
+            </a:r>
+            <a:endParaRPr lang="en-US" altLang="ko-KR" sz="2400" b="1" dirty="0" smtClean="0">
+              <a:solidFill>
+                <a:schemeClr val="bg1"/>
+              </a:solidFill>
+              <a:latin typeface="Arial" panose="020B0604020202020204" pitchFamily="34" charset="0"/>
+              <a:cs typeface="Arial" panose="020B0604020202020204" pitchFamily="34" charset="0"/>
+            </a:endParaRPr>
+          </a:p>
+          <a:p>
+            <a:pPr algn="ctr"/>
+            <a:r>
+              <a:rPr lang="en-US" altLang="ko-KR" sz="2400" b="1" dirty="0">
+                <a:solidFill>
+                  <a:schemeClr val="bg1"/>
+                </a:solidFill>
+                <a:latin typeface="Arial" panose="020B0604020202020204" pitchFamily="34" charset="0"/>
+                <a:cs typeface="Arial" panose="020B0604020202020204" pitchFamily="34" charset="0"/>
+              </a:rPr>
+              <a:t>0.2 M</a:t>
+            </a:r>
+            <a:endParaRPr lang="en-US" altLang="ko-KR" sz="2400" b="1" dirty="0">
+              <a:solidFill>
+                <a:schemeClr val="bg1"/>
+              </a:solidFill>
+              <a:latin typeface="Arial" panose="020B0604020202020204" pitchFamily="34" charset="0"/>
+              <a:cs typeface="Arial" panose="020B0604020202020204" pitchFamily="34" charset="0"/>
+            </a:endParaRPr>
+          </a:p>
+        </p:txBody>
+      </p:sp>
+      <p:sp>
+        <p:nvSpPr>
+          <p:cNvPr id="20" name="TextBox 19"/>
+          <p:cNvSpPr txBox="1"/>
+          <p:nvPr/>
+        </p:nvSpPr>
+        <p:spPr>
+          <a:xfrm>
+            <a:off x="4282707" y="2346802"/>
+            <a:ext cx="1278853" cy="830997"/>
+          </a:xfrm>
+          <a:prstGeom prst="rect">
+            <a:avLst/>
+          </a:prstGeom>
+          <a:noFill/>
+        </p:spPr>
+        <p:txBody>
+          <a:bodyPr wrap="square" rtlCol="0">
+            <a:spAutoFit/>
+          </a:bodyPr>
+          <a:lstStyle/>
           <a:p>
             <a:pPr algn="ctr"/>
             <a:r>
@@ -13045,7 +13168,86 @@
                 <a:latin typeface="Arial" panose="020B0604020202020204" pitchFamily="34" charset="0"/>
                 <a:cs typeface="Arial" panose="020B0604020202020204" pitchFamily="34" charset="0"/>
               </a:rPr>
-              <a:t>0.2 M</a:t>
+              <a:t>Master</a:t>
+            </a:r>
+            <a:endParaRPr lang="en-US" altLang="ko-KR" sz="2400" b="1" dirty="0" smtClean="0">
+              <a:solidFill>
+                <a:schemeClr val="bg1"/>
+              </a:solidFill>
+              <a:latin typeface="Arial" panose="020B0604020202020204" pitchFamily="34" charset="0"/>
+              <a:cs typeface="Arial" panose="020B0604020202020204" pitchFamily="34" charset="0"/>
+            </a:endParaRPr>
+          </a:p>
+          <a:p>
+            <a:pPr algn="ctr"/>
+            <a:r>
+              <a:rPr lang="en-US" altLang="ko-KR" sz="2400" b="1" dirty="0">
+                <a:solidFill>
+                  <a:schemeClr val="bg1"/>
+                </a:solidFill>
+              </a:rPr>
+              <a:t>2.69 M</a:t>
+            </a:r>
+            <a:endParaRPr lang="en-US" altLang="ko-KR" sz="2400" b="1" dirty="0">
+              <a:solidFill>
+                <a:schemeClr val="bg1"/>
+              </a:solidFill>
+            </a:endParaRPr>
+          </a:p>
+        </p:txBody>
+      </p:sp>
+      <p:sp>
+        <p:nvSpPr>
+          <p:cNvPr id="26" name="TextBox 25"/>
+          <p:cNvSpPr txBox="1"/>
+          <p:nvPr/>
+        </p:nvSpPr>
+        <p:spPr>
+          <a:xfrm>
+            <a:off x="5463373" y="3716267"/>
+            <a:ext cx="1872368" cy="830997"/>
+          </a:xfrm>
+          <a:prstGeom prst="rect">
+            <a:avLst/>
+          </a:prstGeom>
+          <a:noFill/>
+        </p:spPr>
+        <p:txBody>
+          <a:bodyPr wrap="square" rtlCol="0">
+            <a:spAutoFit/>
+          </a:bodyPr>
+          <a:lstStyle/>
+          <a:p>
+            <a:pPr algn="ctr"/>
+            <a:r>
+              <a:rPr lang="en-US" altLang="ko-KR" sz="2400" b="1" dirty="0" smtClean="0">
+                <a:solidFill>
+                  <a:schemeClr val="bg1"/>
+                </a:solidFill>
+                <a:latin typeface="Arial" panose="020B0604020202020204" pitchFamily="34" charset="0"/>
+                <a:cs typeface="Arial" panose="020B0604020202020204" pitchFamily="34" charset="0"/>
+              </a:rPr>
+              <a:t>Entertainer</a:t>
+            </a:r>
+            <a:endParaRPr lang="en-US" altLang="ko-KR" sz="2400" b="1" dirty="0" smtClean="0">
+              <a:solidFill>
+                <a:schemeClr val="bg1"/>
+              </a:solidFill>
+              <a:latin typeface="Arial" panose="020B0604020202020204" pitchFamily="34" charset="0"/>
+              <a:cs typeface="Arial" panose="020B0604020202020204" pitchFamily="34" charset="0"/>
+            </a:endParaRPr>
+          </a:p>
+          <a:p>
+            <a:pPr algn="ctr"/>
+            <a:r>
+              <a:rPr lang="en-US" altLang="ko-KR" sz="2400" b="1" dirty="0">
+                <a:solidFill>
+                  <a:schemeClr val="bg1"/>
+                </a:solidFill>
+                <a:latin typeface="Arial" panose="020B0604020202020204" pitchFamily="34" charset="0"/>
+                <a:cs typeface="Arial" panose="020B0604020202020204" pitchFamily="34" charset="0"/>
+              </a:rPr>
+              <a:t>1.85 M</a:t>
             </a:r>
             <a:endParaRPr lang="en-US" altLang="ko-KR" sz="2400" b="1" dirty="0">
               <a:solidFill>
@@ -13059,14 +13261,14 @@
       </p:sp>
       <p:sp>
         <p:nvSpPr>
-          <p:cNvPr id="23" name="TextBox 22"/>
+          <p:cNvPr id="27" name="TextBox 26"/>
           <p:cNvSpPr txBox="1"/>
           <p:nvPr/>
         </p:nvSpPr>
         <p:spPr>
           <a:xfrm>
-            <a:off x="4297680" y="2321861"/>
-            <a:ext cx="1250619" cy="830997"/>
+            <a:off x="5533088" y="257228"/>
+            <a:ext cx="1547412" cy="830997"/>
           </a:xfrm>
           <a:prstGeom prst="rect">
             <a:avLst/>
@@ -13088,72 +13290,27 @@
                 <a:latin typeface="Arial" panose="020B0604020202020204" pitchFamily="34" charset="0"/>
                 <a:cs typeface="Arial" panose="020B0604020202020204" pitchFamily="34" charset="0"/>
               </a:rPr>
-              <a:t>Expert</a:t>
-            </a:r>
-          </a:p>
-          <a:p>
-            <a:pPr algn="ctr"/>
-            <a:r>
-              <a:rPr lang="en-US" altLang="ko-KR" sz="2400" b="1" dirty="0" smtClean="0">
-                <a:solidFill>
-                  <a:schemeClr val="bg1"/>
-                </a:solidFill>
-              </a:rPr>
-              <a:t>2.69 M</a:t>
-            </a:r>
-            <a:endParaRPr lang="en-US" altLang="ko-KR" sz="2400" b="1" dirty="0">
+              <a:t>Acrobat</a:t>
+            </a:r>
+            <a:endParaRPr lang="en-US" altLang="ko-KR" sz="2400" b="1" dirty="0" smtClean="0">
               <a:solidFill>
                 <a:schemeClr val="bg1"/>
               </a:solidFill>
+              <a:latin typeface="Arial" panose="020B0604020202020204" pitchFamily="34" charset="0"/>
+              <a:cs typeface="Arial" panose="020B0604020202020204" pitchFamily="34" charset="0"/>
             </a:endParaRPr>
           </a:p>
-        </p:txBody>
-      </p:sp>
-      <p:sp>
-        <p:nvSpPr>
-          <p:cNvPr id="24" name="TextBox 23"/>
-          <p:cNvSpPr txBox="1"/>
-          <p:nvPr/>
-        </p:nvSpPr>
-        <p:spPr>
-          <a:xfrm>
-            <a:off x="5820822" y="3754566"/>
-            <a:ext cx="1547412" cy="830997"/>
-          </a:xfrm>
-          <a:prstGeom prst="rect">
-            <a:avLst/>
-          </a:prstGeom>
-          <a:noFill/>
-        </p:spPr>
-        <p:txBody>
-          <a:bodyPr wrap="square" rtlCol="0">
-            <a:spAutoFit/>
-          </a:bodyPr>
-          <a:lstStyle/>
           <a:p>
             <a:pPr algn="ctr"/>
             <a:r>
-              <a:rPr lang="en-US" altLang="ko-KR" sz="2400" b="1" dirty="0" smtClean="0">
+              <a:rPr lang="en-US" altLang="ko-KR" sz="2400" b="1" dirty="0">
                 <a:solidFill>
                   <a:schemeClr val="bg1"/>
                 </a:solidFill>
                 <a:latin typeface="Arial" panose="020B0604020202020204" pitchFamily="34" charset="0"/>
                 <a:cs typeface="Arial" panose="020B0604020202020204" pitchFamily="34" charset="0"/>
               </a:rPr>
-              <a:t>Slapstick</a:t>
-            </a:r>
-          </a:p>
-          <a:p>
-            <a:pPr algn="ctr"/>
-            <a:r>
-              <a:rPr lang="en-US" altLang="ko-KR" sz="2400" b="1" dirty="0" smtClean="0">
-                <a:solidFill>
-                  <a:schemeClr val="bg1"/>
-                </a:solidFill>
-                <a:latin typeface="Arial" panose="020B0604020202020204" pitchFamily="34" charset="0"/>
-                <a:cs typeface="Arial" panose="020B0604020202020204" pitchFamily="34" charset="0"/>
-              </a:rPr>
-              <a:t>1.85 M</a:t>
+              <a:t>4.95 M</a:t>
             </a:r>
             <a:endParaRPr lang="en-US" altLang="ko-KR" sz="2400" b="1" dirty="0">
               <a:solidFill>
@@ -13162,92 +13319,6 @@
               <a:latin typeface="Arial" panose="020B0604020202020204" pitchFamily="34" charset="0"/>
               <a:cs typeface="Arial" panose="020B0604020202020204" pitchFamily="34" charset="0"/>
             </a:endParaRPr>
-          </a:p>
-        </p:txBody>
-      </p:sp>
-      <p:sp>
-        <p:nvSpPr>
-          <p:cNvPr id="25" name="TextBox 24"/>
-          <p:cNvSpPr txBox="1"/>
-          <p:nvPr/>
-        </p:nvSpPr>
-        <p:spPr>
-          <a:xfrm>
-            <a:off x="5750671" y="226187"/>
-            <a:ext cx="1162594" cy="830997"/>
-          </a:xfrm>
-          <a:prstGeom prst="rect">
-            <a:avLst/>
-          </a:prstGeom>
-          <a:noFill/>
-        </p:spPr>
-        <p:txBody>
-          <a:bodyPr wrap="square" rtlCol="0">
-            <a:spAutoFit/>
-          </a:bodyPr>
-          <a:lstStyle/>
-          <a:p>
-            <a:pPr algn="ctr"/>
-            <a:r>
-              <a:rPr lang="en-US" altLang="ko-KR" sz="2400" b="1" dirty="0" smtClean="0">
-                <a:solidFill>
-                  <a:schemeClr val="bg1"/>
-                </a:solidFill>
-                <a:latin typeface="Arial" panose="020B0604020202020204" pitchFamily="34" charset="0"/>
-                <a:cs typeface="Arial" panose="020B0604020202020204" pitchFamily="34" charset="0"/>
-              </a:rPr>
-              <a:t>Circus</a:t>
-            </a:r>
-          </a:p>
-          <a:p>
-            <a:pPr algn="ctr"/>
-            <a:r>
-              <a:rPr lang="en-US" altLang="ko-KR" sz="2400" b="1" dirty="0" smtClean="0">
-                <a:solidFill>
-                  <a:schemeClr val="bg1"/>
-                </a:solidFill>
-                <a:latin typeface="Arial" panose="020B0604020202020204" pitchFamily="34" charset="0"/>
-                <a:cs typeface="Arial" panose="020B0604020202020204" pitchFamily="34" charset="0"/>
-              </a:rPr>
-              <a:t>4.95 M</a:t>
-            </a:r>
-            <a:endParaRPr lang="en-US" altLang="ko-KR" sz="2400" b="1" dirty="0">
-              <a:solidFill>
-                <a:schemeClr val="bg1"/>
-              </a:solidFill>
-              <a:latin typeface="Arial" panose="020B0604020202020204" pitchFamily="34" charset="0"/>
-              <a:cs typeface="Arial" panose="020B0604020202020204" pitchFamily="34" charset="0"/>
-            </a:endParaRPr>
-          </a:p>
-        </p:txBody>
-      </p:sp>
-      <p:sp>
-        <p:nvSpPr>
-          <p:cNvPr id="14" name="TextBox 13"/>
-          <p:cNvSpPr txBox="1"/>
-          <p:nvPr/>
-        </p:nvSpPr>
-        <p:spPr>
-          <a:xfrm>
-            <a:off x="391886" y="274320"/>
-            <a:ext cx="404948" cy="369332"/>
-          </a:xfrm>
-          <a:prstGeom prst="rect">
-            <a:avLst/>
-          </a:prstGeom>
-          <a:noFill/>
-        </p:spPr>
-        <p:txBody>
-          <a:bodyPr wrap="square" rtlCol="0">
-            <a:spAutoFit/>
-          </a:bodyPr>
-          <a:lstStyle/>
-          <a:p>
-            <a:r>
-              <a:rPr lang="ko-KR" altLang="en-US" dirty="0" err="1" smtClean="0"/>
-              <a:t>ㄱ</a:t>
-            </a:r>
-            <a:endParaRPr lang="en-US" altLang="ko-KR" dirty="0" smtClean="0"/>
           </a:p>
         </p:txBody>
       </p:sp>
@@ -13519,7 +13590,7 @@
   <a:extraClrSchemeLst/>
   <a:extLst>
     <a:ext uri="{05A4C25C-085E-4340-85A3-A5531E510DB2}">
-      <thm15:themeFamily xmlns="" xmlns:thm15="http://schemas.microsoft.com/office/thememl/2012/main" name="Office Theme" id="{62F939B6-93AF-4DB8-9C6B-D6C7DFDC589F}" vid="{4A3C46E8-61CC-4603-A589-7422A47A8E4A}"/>
+      <thm15:themeFamily xmlns:thm15="http://schemas.microsoft.com/office/thememl/2012/main" name="Office Theme" id="{62F939B6-93AF-4DB8-9C6B-D6C7DFDC589F}" vid="{4A3C46E8-61CC-4603-A589-7422A47A8E4A}"/>
     </a:ext>
   </a:extLst>
 </a:theme>
@@ -13780,7 +13851,7 @@
   <a:extraClrSchemeLst/>
   <a:extLst>
     <a:ext uri="{05A4C25C-085E-4340-85A3-A5531E510DB2}">
-      <thm15:themeFamily xmlns="" xmlns:thm15="http://schemas.microsoft.com/office/thememl/2012/main" name="Office Theme" id="{62F939B6-93AF-4DB8-9C6B-D6C7DFDC589F}" vid="{4A3C46E8-61CC-4603-A589-7422A47A8E4A}"/>
+      <thm15:themeFamily xmlns:thm15="http://schemas.microsoft.com/office/thememl/2012/main" name="Office Theme" id="{62F939B6-93AF-4DB8-9C6B-D6C7DFDC589F}" vid="{4A3C46E8-61CC-4603-A589-7422A47A8E4A}"/>
     </a:ext>
   </a:extLst>
 </a:theme>
